--- a/ppts/5-0 SortingQuizzes.pptx
+++ b/ppts/5-0 SortingQuizzes.pptx
@@ -9701,6 +9701,60 @@
           </a:p>
         </p:txBody>
       </p:sp>
+      <p:sp>
+        <p:nvSpPr>
+          <p:cNvPr id="40" name="직사각형 39">
+            <a:extLst>
+              <a:ext uri="{FF2B5EF4-FFF2-40B4-BE49-F238E27FC236}">
+                <a16:creationId xmlns:a16="http://schemas.microsoft.com/office/drawing/2014/main" id="{D3E5FA5F-BA2B-078D-AA28-96D12D913A5E}"/>
+              </a:ext>
+            </a:extLst>
+          </p:cNvPr>
+          <p:cNvSpPr/>
+          <p:nvPr/>
+        </p:nvSpPr>
+        <p:spPr>
+          <a:xfrm>
+            <a:off x="5142893" y="6472218"/>
+            <a:ext cx="2630848" cy="276999"/>
+          </a:xfrm>
+          <a:prstGeom prst="rect">
+            <a:avLst/>
+          </a:prstGeom>
+        </p:spPr>
+        <p:txBody>
+          <a:bodyPr wrap="none">
+            <a:spAutoFit/>
+          </a:bodyPr>
+          <a:lstStyle/>
+          <a:p>
+            <a:r>
+              <a:rPr lang="en-US" altLang="ko-KR" sz="1200" dirty="0"/>
+              <a:t>Total</a:t>
+            </a:r>
+            <a:r>
+              <a:rPr lang="ko-KR" altLang="en-US" sz="1200" dirty="0"/>
+              <a:t> </a:t>
+            </a:r>
+            <a:r>
+              <a:rPr lang="en-US" altLang="ko-KR" sz="1200"/>
+              <a:t>PASS 8 (36  </a:t>
+            </a:r>
+            <a:r>
+              <a:rPr lang="en-US" altLang="ko-KR" sz="1200" dirty="0"/>
+              <a:t>Comp</a:t>
+            </a:r>
+            <a:r>
+              <a:rPr lang="en-US" altLang="ko-KR" sz="1200"/>
+              <a:t>,  5 </a:t>
+            </a:r>
+            <a:r>
+              <a:rPr lang="en-US" altLang="ko-KR" sz="1200" dirty="0"/>
+              <a:t>Swap)</a:t>
+            </a:r>
+          </a:p>
+        </p:txBody>
+      </p:sp>
     </p:spTree>
     <p:extLst>
       <p:ext uri="{BB962C8B-B14F-4D97-AF65-F5344CB8AC3E}">
@@ -10487,531 +10541,6 @@
       </p:grpSp>
       <p:grpSp>
         <p:nvGrpSpPr>
-          <p:cNvPr id="16" name="그룹 15">
-            <a:extLst>
-              <a:ext uri="{FF2B5EF4-FFF2-40B4-BE49-F238E27FC236}">
-                <a16:creationId xmlns:a16="http://schemas.microsoft.com/office/drawing/2014/main" id="{50584EC2-5160-83D0-D90B-087F3267CB62}"/>
-              </a:ext>
-            </a:extLst>
-          </p:cNvPr>
-          <p:cNvGrpSpPr/>
-          <p:nvPr/>
-        </p:nvGrpSpPr>
-        <p:grpSpPr>
-          <a:xfrm>
-            <a:off x="1056179" y="2005189"/>
-            <a:ext cx="4236939" cy="345637"/>
-            <a:chOff x="1056180" y="1470388"/>
-            <a:chExt cx="4236939" cy="345637"/>
-          </a:xfrm>
-        </p:grpSpPr>
-        <p:sp>
-          <p:nvSpPr>
-            <p:cNvPr id="17" name="직사각형 16">
-              <a:extLst>
-                <a:ext uri="{FF2B5EF4-FFF2-40B4-BE49-F238E27FC236}">
-                  <a16:creationId xmlns:a16="http://schemas.microsoft.com/office/drawing/2014/main" id="{F6B0C3AD-EE59-3E63-099E-A81095BE8605}"/>
-                </a:ext>
-              </a:extLst>
-            </p:cNvPr>
-            <p:cNvSpPr/>
-            <p:nvPr/>
-          </p:nvSpPr>
-          <p:spPr>
-            <a:xfrm>
-              <a:off x="2939264" y="1470388"/>
-              <a:ext cx="470771" cy="345637"/>
-            </a:xfrm>
-            <a:prstGeom prst="rect">
-              <a:avLst/>
-            </a:prstGeom>
-            <a:noFill/>
-            <a:ln w="19050">
-              <a:solidFill>
-                <a:schemeClr val="tx1"/>
-              </a:solidFill>
-            </a:ln>
-          </p:spPr>
-          <p:style>
-            <a:lnRef idx="2">
-              <a:schemeClr val="accent1">
-                <a:shade val="50000"/>
-              </a:schemeClr>
-            </a:lnRef>
-            <a:fillRef idx="1">
-              <a:schemeClr val="accent1"/>
-            </a:fillRef>
-            <a:effectRef idx="0">
-              <a:schemeClr val="accent1"/>
-            </a:effectRef>
-            <a:fontRef idx="minor">
-              <a:schemeClr val="lt1"/>
-            </a:fontRef>
-          </p:style>
-          <p:txBody>
-            <a:bodyPr lIns="36000" tIns="36000" rIns="36000" bIns="36000" rtlCol="0" anchor="ctr"/>
-            <a:lstStyle/>
-            <a:p>
-              <a:pPr lvl="0" algn="ctr"/>
-              <a:endParaRPr lang="ko-KR" altLang="en-US" sz="1400" dirty="0">
-                <a:solidFill>
-                  <a:prstClr val="black"/>
-                </a:solidFill>
-              </a:endParaRPr>
-            </a:p>
-          </p:txBody>
-        </p:sp>
-        <p:sp>
-          <p:nvSpPr>
-            <p:cNvPr id="18" name="직사각형 17">
-              <a:extLst>
-                <a:ext uri="{FF2B5EF4-FFF2-40B4-BE49-F238E27FC236}">
-                  <a16:creationId xmlns:a16="http://schemas.microsoft.com/office/drawing/2014/main" id="{44A9A106-3B7E-2DDC-A756-F57D0F0BE753}"/>
-                </a:ext>
-              </a:extLst>
-            </p:cNvPr>
-            <p:cNvSpPr/>
-            <p:nvPr/>
-          </p:nvSpPr>
-          <p:spPr>
-            <a:xfrm>
-              <a:off x="1997722" y="1470388"/>
-              <a:ext cx="470771" cy="345637"/>
-            </a:xfrm>
-            <a:prstGeom prst="rect">
-              <a:avLst/>
-            </a:prstGeom>
-            <a:noFill/>
-            <a:ln w="19050">
-              <a:solidFill>
-                <a:schemeClr val="tx1"/>
-              </a:solidFill>
-            </a:ln>
-          </p:spPr>
-          <p:style>
-            <a:lnRef idx="2">
-              <a:schemeClr val="accent1">
-                <a:shade val="50000"/>
-              </a:schemeClr>
-            </a:lnRef>
-            <a:fillRef idx="1">
-              <a:schemeClr val="accent1"/>
-            </a:fillRef>
-            <a:effectRef idx="0">
-              <a:schemeClr val="accent1"/>
-            </a:effectRef>
-            <a:fontRef idx="minor">
-              <a:schemeClr val="lt1"/>
-            </a:fontRef>
-          </p:style>
-          <p:txBody>
-            <a:bodyPr lIns="36000" tIns="36000" rIns="36000" bIns="36000" rtlCol="0" anchor="ctr"/>
-            <a:lstStyle/>
-            <a:p>
-              <a:pPr lvl="0" algn="ctr"/>
-              <a:endParaRPr lang="ko-KR" altLang="en-US" sz="1400" dirty="0">
-                <a:solidFill>
-                  <a:prstClr val="black"/>
-                </a:solidFill>
-              </a:endParaRPr>
-            </a:p>
-          </p:txBody>
-        </p:sp>
-        <p:sp>
-          <p:nvSpPr>
-            <p:cNvPr id="19" name="직사각형 18">
-              <a:extLst>
-                <a:ext uri="{FF2B5EF4-FFF2-40B4-BE49-F238E27FC236}">
-                  <a16:creationId xmlns:a16="http://schemas.microsoft.com/office/drawing/2014/main" id="{D489A915-AE88-C638-C72A-6E2B93AEF062}"/>
-                </a:ext>
-              </a:extLst>
-            </p:cNvPr>
-            <p:cNvSpPr/>
-            <p:nvPr/>
-          </p:nvSpPr>
-          <p:spPr>
-            <a:xfrm>
-              <a:off x="2468493" y="1470388"/>
-              <a:ext cx="470771" cy="345637"/>
-            </a:xfrm>
-            <a:prstGeom prst="rect">
-              <a:avLst/>
-            </a:prstGeom>
-            <a:noFill/>
-            <a:ln w="19050">
-              <a:solidFill>
-                <a:schemeClr val="tx1"/>
-              </a:solidFill>
-            </a:ln>
-          </p:spPr>
-          <p:style>
-            <a:lnRef idx="2">
-              <a:schemeClr val="accent1">
-                <a:shade val="50000"/>
-              </a:schemeClr>
-            </a:lnRef>
-            <a:fillRef idx="1">
-              <a:schemeClr val="accent1"/>
-            </a:fillRef>
-            <a:effectRef idx="0">
-              <a:schemeClr val="accent1"/>
-            </a:effectRef>
-            <a:fontRef idx="minor">
-              <a:schemeClr val="lt1"/>
-            </a:fontRef>
-          </p:style>
-          <p:txBody>
-            <a:bodyPr lIns="36000" tIns="36000" rIns="36000" bIns="36000" rtlCol="0" anchor="ctr"/>
-            <a:lstStyle/>
-            <a:p>
-              <a:pPr lvl="0" algn="ctr"/>
-              <a:endParaRPr lang="ko-KR" altLang="en-US" sz="1400" dirty="0">
-                <a:solidFill>
-                  <a:prstClr val="black"/>
-                </a:solidFill>
-              </a:endParaRPr>
-            </a:p>
-          </p:txBody>
-        </p:sp>
-        <p:sp>
-          <p:nvSpPr>
-            <p:cNvPr id="20" name="직사각형 19">
-              <a:extLst>
-                <a:ext uri="{FF2B5EF4-FFF2-40B4-BE49-F238E27FC236}">
-                  <a16:creationId xmlns:a16="http://schemas.microsoft.com/office/drawing/2014/main" id="{A2A26F8E-8FDF-BE28-2CAA-3700B22BA12E}"/>
-                </a:ext>
-              </a:extLst>
-            </p:cNvPr>
-            <p:cNvSpPr/>
-            <p:nvPr/>
-          </p:nvSpPr>
-          <p:spPr>
-            <a:xfrm>
-              <a:off x="1056180" y="1470388"/>
-              <a:ext cx="470771" cy="345637"/>
-            </a:xfrm>
-            <a:prstGeom prst="rect">
-              <a:avLst/>
-            </a:prstGeom>
-            <a:noFill/>
-            <a:ln w="19050">
-              <a:solidFill>
-                <a:schemeClr val="tx1"/>
-              </a:solidFill>
-            </a:ln>
-          </p:spPr>
-          <p:style>
-            <a:lnRef idx="2">
-              <a:schemeClr val="accent1">
-                <a:shade val="50000"/>
-              </a:schemeClr>
-            </a:lnRef>
-            <a:fillRef idx="1">
-              <a:schemeClr val="accent1"/>
-            </a:fillRef>
-            <a:effectRef idx="0">
-              <a:schemeClr val="accent1"/>
-            </a:effectRef>
-            <a:fontRef idx="minor">
-              <a:schemeClr val="lt1"/>
-            </a:fontRef>
-          </p:style>
-          <p:txBody>
-            <a:bodyPr lIns="36000" tIns="36000" rIns="36000" bIns="36000" rtlCol="0" anchor="ctr"/>
-            <a:lstStyle/>
-            <a:p>
-              <a:pPr algn="ctr"/>
-              <a:endParaRPr lang="ko-KR" altLang="en-US" sz="1400" dirty="0">
-                <a:solidFill>
-                  <a:schemeClr val="tx1"/>
-                </a:solidFill>
-              </a:endParaRPr>
-            </a:p>
-          </p:txBody>
-        </p:sp>
-        <p:sp>
-          <p:nvSpPr>
-            <p:cNvPr id="21" name="직사각형 20">
-              <a:extLst>
-                <a:ext uri="{FF2B5EF4-FFF2-40B4-BE49-F238E27FC236}">
-                  <a16:creationId xmlns:a16="http://schemas.microsoft.com/office/drawing/2014/main" id="{B2C7C54D-6FE7-BE78-2C17-330D742ACE37}"/>
-                </a:ext>
-              </a:extLst>
-            </p:cNvPr>
-            <p:cNvSpPr/>
-            <p:nvPr/>
-          </p:nvSpPr>
-          <p:spPr>
-            <a:xfrm>
-              <a:off x="1526951" y="1470388"/>
-              <a:ext cx="470771" cy="345637"/>
-            </a:xfrm>
-            <a:prstGeom prst="rect">
-              <a:avLst/>
-            </a:prstGeom>
-            <a:noFill/>
-            <a:ln w="19050">
-              <a:solidFill>
-                <a:schemeClr val="tx1"/>
-              </a:solidFill>
-            </a:ln>
-          </p:spPr>
-          <p:style>
-            <a:lnRef idx="2">
-              <a:schemeClr val="accent1">
-                <a:shade val="50000"/>
-              </a:schemeClr>
-            </a:lnRef>
-            <a:fillRef idx="1">
-              <a:schemeClr val="accent1"/>
-            </a:fillRef>
-            <a:effectRef idx="0">
-              <a:schemeClr val="accent1"/>
-            </a:effectRef>
-            <a:fontRef idx="minor">
-              <a:schemeClr val="lt1"/>
-            </a:fontRef>
-          </p:style>
-          <p:txBody>
-            <a:bodyPr lIns="36000" tIns="36000" rIns="36000" bIns="36000" rtlCol="0" anchor="ctr"/>
-            <a:lstStyle/>
-            <a:p>
-              <a:pPr lvl="0" algn="ctr"/>
-              <a:endParaRPr lang="ko-KR" altLang="en-US" sz="1400" dirty="0">
-                <a:solidFill>
-                  <a:prstClr val="black"/>
-                </a:solidFill>
-              </a:endParaRPr>
-            </a:p>
-          </p:txBody>
-        </p:sp>
-        <p:sp>
-          <p:nvSpPr>
-            <p:cNvPr id="22" name="직사각형 21">
-              <a:extLst>
-                <a:ext uri="{FF2B5EF4-FFF2-40B4-BE49-F238E27FC236}">
-                  <a16:creationId xmlns:a16="http://schemas.microsoft.com/office/drawing/2014/main" id="{5FFF731A-2BB1-00F8-6434-4EE1B55DE8E1}"/>
-                </a:ext>
-              </a:extLst>
-            </p:cNvPr>
-            <p:cNvSpPr/>
-            <p:nvPr/>
-          </p:nvSpPr>
-          <p:spPr>
-            <a:xfrm>
-              <a:off x="4351577" y="1470388"/>
-              <a:ext cx="470771" cy="345637"/>
-            </a:xfrm>
-            <a:prstGeom prst="rect">
-              <a:avLst/>
-            </a:prstGeom>
-            <a:noFill/>
-            <a:ln w="19050">
-              <a:solidFill>
-                <a:schemeClr val="tx1"/>
-              </a:solidFill>
-            </a:ln>
-          </p:spPr>
-          <p:style>
-            <a:lnRef idx="2">
-              <a:schemeClr val="accent1">
-                <a:shade val="50000"/>
-              </a:schemeClr>
-            </a:lnRef>
-            <a:fillRef idx="1">
-              <a:schemeClr val="accent1"/>
-            </a:fillRef>
-            <a:effectRef idx="0">
-              <a:schemeClr val="accent1"/>
-            </a:effectRef>
-            <a:fontRef idx="minor">
-              <a:schemeClr val="lt1"/>
-            </a:fontRef>
-          </p:style>
-          <p:txBody>
-            <a:bodyPr lIns="36000" tIns="36000" rIns="36000" bIns="36000" rtlCol="0" anchor="ctr"/>
-            <a:lstStyle/>
-            <a:p>
-              <a:pPr lvl="0" algn="ctr"/>
-              <a:endParaRPr lang="ko-KR" altLang="en-US" sz="1400" dirty="0">
-                <a:solidFill>
-                  <a:prstClr val="black"/>
-                </a:solidFill>
-              </a:endParaRPr>
-            </a:p>
-          </p:txBody>
-        </p:sp>
-        <p:sp>
-          <p:nvSpPr>
-            <p:cNvPr id="23" name="직사각형 22">
-              <a:extLst>
-                <a:ext uri="{FF2B5EF4-FFF2-40B4-BE49-F238E27FC236}">
-                  <a16:creationId xmlns:a16="http://schemas.microsoft.com/office/drawing/2014/main" id="{7658C552-50C1-0C4B-E492-8009102321C6}"/>
-                </a:ext>
-              </a:extLst>
-            </p:cNvPr>
-            <p:cNvSpPr/>
-            <p:nvPr/>
-          </p:nvSpPr>
-          <p:spPr>
-            <a:xfrm>
-              <a:off x="4822348" y="1470388"/>
-              <a:ext cx="470771" cy="345637"/>
-            </a:xfrm>
-            <a:prstGeom prst="rect">
-              <a:avLst/>
-            </a:prstGeom>
-            <a:noFill/>
-            <a:ln w="19050">
-              <a:solidFill>
-                <a:schemeClr val="tx1"/>
-              </a:solidFill>
-            </a:ln>
-          </p:spPr>
-          <p:style>
-            <a:lnRef idx="2">
-              <a:schemeClr val="accent1">
-                <a:shade val="50000"/>
-              </a:schemeClr>
-            </a:lnRef>
-            <a:fillRef idx="1">
-              <a:schemeClr val="accent1"/>
-            </a:fillRef>
-            <a:effectRef idx="0">
-              <a:schemeClr val="accent1"/>
-            </a:effectRef>
-            <a:fontRef idx="minor">
-              <a:schemeClr val="lt1"/>
-            </a:fontRef>
-          </p:style>
-          <p:txBody>
-            <a:bodyPr lIns="36000" tIns="36000" rIns="36000" bIns="36000" rtlCol="0" anchor="ctr"/>
-            <a:lstStyle/>
-            <a:p>
-              <a:pPr lvl="0" algn="ctr"/>
-              <a:endParaRPr lang="ko-KR" altLang="en-US" sz="1400" dirty="0">
-                <a:solidFill>
-                  <a:prstClr val="black"/>
-                </a:solidFill>
-              </a:endParaRPr>
-            </a:p>
-          </p:txBody>
-        </p:sp>
-        <p:sp>
-          <p:nvSpPr>
-            <p:cNvPr id="24" name="직사각형 23">
-              <a:extLst>
-                <a:ext uri="{FF2B5EF4-FFF2-40B4-BE49-F238E27FC236}">
-                  <a16:creationId xmlns:a16="http://schemas.microsoft.com/office/drawing/2014/main" id="{577FCA2D-592D-4B6F-3EEB-F766A303667C}"/>
-                </a:ext>
-              </a:extLst>
-            </p:cNvPr>
-            <p:cNvSpPr/>
-            <p:nvPr/>
-          </p:nvSpPr>
-          <p:spPr>
-            <a:xfrm>
-              <a:off x="3410035" y="1470388"/>
-              <a:ext cx="470771" cy="345637"/>
-            </a:xfrm>
-            <a:prstGeom prst="rect">
-              <a:avLst/>
-            </a:prstGeom>
-            <a:noFill/>
-            <a:ln w="19050">
-              <a:solidFill>
-                <a:schemeClr val="tx1"/>
-              </a:solidFill>
-            </a:ln>
-          </p:spPr>
-          <p:style>
-            <a:lnRef idx="2">
-              <a:schemeClr val="accent1">
-                <a:shade val="50000"/>
-              </a:schemeClr>
-            </a:lnRef>
-            <a:fillRef idx="1">
-              <a:schemeClr val="accent1"/>
-            </a:fillRef>
-            <a:effectRef idx="0">
-              <a:schemeClr val="accent1"/>
-            </a:effectRef>
-            <a:fontRef idx="minor">
-              <a:schemeClr val="lt1"/>
-            </a:fontRef>
-          </p:style>
-          <p:txBody>
-            <a:bodyPr lIns="36000" tIns="36000" rIns="36000" bIns="36000" rtlCol="0" anchor="ctr"/>
-            <a:lstStyle/>
-            <a:p>
-              <a:pPr algn="ctr"/>
-              <a:endParaRPr lang="ko-KR" altLang="en-US" sz="1400" dirty="0">
-                <a:solidFill>
-                  <a:schemeClr val="tx1"/>
-                </a:solidFill>
-              </a:endParaRPr>
-            </a:p>
-          </p:txBody>
-        </p:sp>
-        <p:sp>
-          <p:nvSpPr>
-            <p:cNvPr id="25" name="직사각형 24">
-              <a:extLst>
-                <a:ext uri="{FF2B5EF4-FFF2-40B4-BE49-F238E27FC236}">
-                  <a16:creationId xmlns:a16="http://schemas.microsoft.com/office/drawing/2014/main" id="{C3CD06D4-EE68-837F-5BC9-5E89D7621746}"/>
-                </a:ext>
-              </a:extLst>
-            </p:cNvPr>
-            <p:cNvSpPr/>
-            <p:nvPr/>
-          </p:nvSpPr>
-          <p:spPr>
-            <a:xfrm>
-              <a:off x="3880806" y="1470388"/>
-              <a:ext cx="470771" cy="345637"/>
-            </a:xfrm>
-            <a:prstGeom prst="rect">
-              <a:avLst/>
-            </a:prstGeom>
-            <a:noFill/>
-            <a:ln w="19050">
-              <a:solidFill>
-                <a:schemeClr val="tx1"/>
-              </a:solidFill>
-            </a:ln>
-          </p:spPr>
-          <p:style>
-            <a:lnRef idx="2">
-              <a:schemeClr val="accent1">
-                <a:shade val="50000"/>
-              </a:schemeClr>
-            </a:lnRef>
-            <a:fillRef idx="1">
-              <a:schemeClr val="accent1"/>
-            </a:fillRef>
-            <a:effectRef idx="0">
-              <a:schemeClr val="accent1"/>
-            </a:effectRef>
-            <a:fontRef idx="minor">
-              <a:schemeClr val="lt1"/>
-            </a:fontRef>
-          </p:style>
-          <p:txBody>
-            <a:bodyPr lIns="36000" tIns="36000" rIns="36000" bIns="36000" rtlCol="0" anchor="ctr"/>
-            <a:lstStyle/>
-            <a:p>
-              <a:pPr lvl="0" algn="ctr"/>
-              <a:endParaRPr lang="ko-KR" altLang="en-US" sz="1400" dirty="0">
-                <a:solidFill>
-                  <a:prstClr val="black"/>
-                </a:solidFill>
-              </a:endParaRPr>
-            </a:p>
-          </p:txBody>
-        </p:sp>
-      </p:grpSp>
-      <p:grpSp>
-        <p:nvGrpSpPr>
           <p:cNvPr id="26" name="그룹 25">
             <a:extLst>
               <a:ext uri="{FF2B5EF4-FFF2-40B4-BE49-F238E27FC236}">
@@ -15095,6 +14624,603 @@
           </a:p>
         </p:txBody>
       </p:sp>
+      <p:grpSp>
+        <p:nvGrpSpPr>
+          <p:cNvPr id="105" name="그룹 104">
+            <a:extLst>
+              <a:ext uri="{FF2B5EF4-FFF2-40B4-BE49-F238E27FC236}">
+                <a16:creationId xmlns:a16="http://schemas.microsoft.com/office/drawing/2014/main" id="{F3BAD38D-4AAB-E945-A33C-8073951D4583}"/>
+              </a:ext>
+            </a:extLst>
+          </p:cNvPr>
+          <p:cNvGrpSpPr/>
+          <p:nvPr/>
+        </p:nvGrpSpPr>
+        <p:grpSpPr>
+          <a:xfrm>
+            <a:off x="1056179" y="2005189"/>
+            <a:ext cx="4236939" cy="345637"/>
+            <a:chOff x="1056179" y="2005189"/>
+            <a:chExt cx="4236939" cy="345637"/>
+          </a:xfrm>
+        </p:grpSpPr>
+        <p:sp>
+          <p:nvSpPr>
+            <p:cNvPr id="106" name="직사각형 105">
+              <a:extLst>
+                <a:ext uri="{FF2B5EF4-FFF2-40B4-BE49-F238E27FC236}">
+                  <a16:creationId xmlns:a16="http://schemas.microsoft.com/office/drawing/2014/main" id="{A9667597-2212-AB4D-FAA5-31285375DB31}"/>
+                </a:ext>
+              </a:extLst>
+            </p:cNvPr>
+            <p:cNvSpPr/>
+            <p:nvPr/>
+          </p:nvSpPr>
+          <p:spPr>
+            <a:xfrm>
+              <a:off x="2939263" y="2005189"/>
+              <a:ext cx="470771" cy="345637"/>
+            </a:xfrm>
+            <a:prstGeom prst="rect">
+              <a:avLst/>
+            </a:prstGeom>
+            <a:noFill/>
+            <a:ln w="19050">
+              <a:solidFill>
+                <a:schemeClr val="tx1"/>
+              </a:solidFill>
+            </a:ln>
+          </p:spPr>
+          <p:style>
+            <a:lnRef idx="2">
+              <a:schemeClr val="accent1">
+                <a:shade val="50000"/>
+              </a:schemeClr>
+            </a:lnRef>
+            <a:fillRef idx="1">
+              <a:schemeClr val="accent1"/>
+            </a:fillRef>
+            <a:effectRef idx="0">
+              <a:schemeClr val="accent1"/>
+            </a:effectRef>
+            <a:fontRef idx="minor">
+              <a:schemeClr val="lt1"/>
+            </a:fontRef>
+          </p:style>
+          <p:txBody>
+            <a:bodyPr lIns="36000" tIns="36000" rIns="36000" bIns="36000" rtlCol="0" anchor="ctr"/>
+            <a:lstStyle/>
+            <a:p>
+              <a:pPr lvl="0" algn="ctr"/>
+              <a:r>
+                <a:rPr lang="en-US" altLang="ko-KR" sz="1400" dirty="0">
+                  <a:solidFill>
+                    <a:schemeClr val="tx1"/>
+                  </a:solidFill>
+                </a:rPr>
+                <a:t>77</a:t>
+              </a:r>
+              <a:endParaRPr lang="ko-KR" altLang="en-US" sz="1400" dirty="0">
+                <a:solidFill>
+                  <a:schemeClr val="tx1"/>
+                </a:solidFill>
+              </a:endParaRPr>
+            </a:p>
+          </p:txBody>
+        </p:sp>
+        <p:sp>
+          <p:nvSpPr>
+            <p:cNvPr id="107" name="직사각형 106">
+              <a:extLst>
+                <a:ext uri="{FF2B5EF4-FFF2-40B4-BE49-F238E27FC236}">
+                  <a16:creationId xmlns:a16="http://schemas.microsoft.com/office/drawing/2014/main" id="{DDA85C0B-24AC-62DF-11D4-EBF0C7AA90F0}"/>
+                </a:ext>
+              </a:extLst>
+            </p:cNvPr>
+            <p:cNvSpPr/>
+            <p:nvPr/>
+          </p:nvSpPr>
+          <p:spPr>
+            <a:xfrm>
+              <a:off x="1997721" y="2005189"/>
+              <a:ext cx="470771" cy="345637"/>
+            </a:xfrm>
+            <a:prstGeom prst="rect">
+              <a:avLst/>
+            </a:prstGeom>
+            <a:noFill/>
+            <a:ln w="19050">
+              <a:solidFill>
+                <a:schemeClr val="tx1"/>
+              </a:solidFill>
+            </a:ln>
+          </p:spPr>
+          <p:style>
+            <a:lnRef idx="2">
+              <a:schemeClr val="accent1">
+                <a:shade val="50000"/>
+              </a:schemeClr>
+            </a:lnRef>
+            <a:fillRef idx="1">
+              <a:schemeClr val="accent1"/>
+            </a:fillRef>
+            <a:effectRef idx="0">
+              <a:schemeClr val="accent1"/>
+            </a:effectRef>
+            <a:fontRef idx="minor">
+              <a:schemeClr val="lt1"/>
+            </a:fontRef>
+          </p:style>
+          <p:txBody>
+            <a:bodyPr lIns="36000" tIns="36000" rIns="36000" bIns="36000" rtlCol="0" anchor="ctr"/>
+            <a:lstStyle/>
+            <a:p>
+              <a:pPr lvl="0" algn="ctr"/>
+              <a:r>
+                <a:rPr lang="en-US" altLang="ko-KR" sz="1400" dirty="0">
+                  <a:solidFill>
+                    <a:schemeClr val="tx1"/>
+                  </a:solidFill>
+                </a:rPr>
+                <a:t>20</a:t>
+              </a:r>
+              <a:endParaRPr lang="ko-KR" altLang="en-US" sz="1400" dirty="0">
+                <a:solidFill>
+                  <a:schemeClr val="tx1"/>
+                </a:solidFill>
+              </a:endParaRPr>
+            </a:p>
+          </p:txBody>
+        </p:sp>
+        <p:sp>
+          <p:nvSpPr>
+            <p:cNvPr id="108" name="직사각형 107">
+              <a:extLst>
+                <a:ext uri="{FF2B5EF4-FFF2-40B4-BE49-F238E27FC236}">
+                  <a16:creationId xmlns:a16="http://schemas.microsoft.com/office/drawing/2014/main" id="{BF7ACDC2-68B3-917A-B7C2-44EBBADFD495}"/>
+                </a:ext>
+              </a:extLst>
+            </p:cNvPr>
+            <p:cNvSpPr/>
+            <p:nvPr/>
+          </p:nvSpPr>
+          <p:spPr>
+            <a:xfrm>
+              <a:off x="2468492" y="2005189"/>
+              <a:ext cx="470771" cy="345637"/>
+            </a:xfrm>
+            <a:prstGeom prst="rect">
+              <a:avLst/>
+            </a:prstGeom>
+            <a:noFill/>
+            <a:ln w="19050">
+              <a:solidFill>
+                <a:schemeClr val="tx1"/>
+              </a:solidFill>
+            </a:ln>
+          </p:spPr>
+          <p:style>
+            <a:lnRef idx="2">
+              <a:schemeClr val="accent1">
+                <a:shade val="50000"/>
+              </a:schemeClr>
+            </a:lnRef>
+            <a:fillRef idx="1">
+              <a:schemeClr val="accent1"/>
+            </a:fillRef>
+            <a:effectRef idx="0">
+              <a:schemeClr val="accent1"/>
+            </a:effectRef>
+            <a:fontRef idx="minor">
+              <a:schemeClr val="lt1"/>
+            </a:fontRef>
+          </p:style>
+          <p:txBody>
+            <a:bodyPr lIns="36000" tIns="36000" rIns="36000" bIns="36000" rtlCol="0" anchor="ctr"/>
+            <a:lstStyle/>
+            <a:p>
+              <a:pPr lvl="0" algn="ctr"/>
+              <a:r>
+                <a:rPr lang="en-US" altLang="ko-KR" sz="1400" dirty="0">
+                  <a:solidFill>
+                    <a:schemeClr val="tx1"/>
+                  </a:solidFill>
+                </a:rPr>
+                <a:t>17</a:t>
+              </a:r>
+              <a:endParaRPr lang="ko-KR" altLang="en-US" sz="1400" dirty="0">
+                <a:solidFill>
+                  <a:schemeClr val="tx1"/>
+                </a:solidFill>
+              </a:endParaRPr>
+            </a:p>
+          </p:txBody>
+        </p:sp>
+        <p:sp>
+          <p:nvSpPr>
+            <p:cNvPr id="109" name="직사각형 108">
+              <a:extLst>
+                <a:ext uri="{FF2B5EF4-FFF2-40B4-BE49-F238E27FC236}">
+                  <a16:creationId xmlns:a16="http://schemas.microsoft.com/office/drawing/2014/main" id="{D3758C2A-916A-E9AA-AABB-EB3B2EDC284E}"/>
+                </a:ext>
+              </a:extLst>
+            </p:cNvPr>
+            <p:cNvSpPr/>
+            <p:nvPr/>
+          </p:nvSpPr>
+          <p:spPr>
+            <a:xfrm>
+              <a:off x="1056179" y="2005189"/>
+              <a:ext cx="470771" cy="345637"/>
+            </a:xfrm>
+            <a:prstGeom prst="rect">
+              <a:avLst/>
+            </a:prstGeom>
+            <a:noFill/>
+            <a:ln w="19050">
+              <a:solidFill>
+                <a:schemeClr val="tx1"/>
+              </a:solidFill>
+            </a:ln>
+          </p:spPr>
+          <p:style>
+            <a:lnRef idx="2">
+              <a:schemeClr val="accent1">
+                <a:shade val="50000"/>
+              </a:schemeClr>
+            </a:lnRef>
+            <a:fillRef idx="1">
+              <a:schemeClr val="accent1"/>
+            </a:fillRef>
+            <a:effectRef idx="0">
+              <a:schemeClr val="accent1"/>
+            </a:effectRef>
+            <a:fontRef idx="minor">
+              <a:schemeClr val="lt1"/>
+            </a:fontRef>
+          </p:style>
+          <p:txBody>
+            <a:bodyPr lIns="36000" tIns="36000" rIns="36000" bIns="36000" rtlCol="0" anchor="ctr"/>
+            <a:lstStyle/>
+            <a:p>
+              <a:pPr algn="ctr"/>
+              <a:r>
+                <a:rPr lang="en-US" altLang="ko-KR" sz="1400" dirty="0">
+                  <a:solidFill>
+                    <a:schemeClr val="tx1"/>
+                  </a:solidFill>
+                </a:rPr>
+                <a:t>54</a:t>
+              </a:r>
+              <a:endParaRPr lang="ko-KR" altLang="en-US" sz="1400" dirty="0">
+                <a:solidFill>
+                  <a:schemeClr val="tx1"/>
+                </a:solidFill>
+              </a:endParaRPr>
+            </a:p>
+          </p:txBody>
+        </p:sp>
+        <p:sp>
+          <p:nvSpPr>
+            <p:cNvPr id="110" name="직사각형 109">
+              <a:extLst>
+                <a:ext uri="{FF2B5EF4-FFF2-40B4-BE49-F238E27FC236}">
+                  <a16:creationId xmlns:a16="http://schemas.microsoft.com/office/drawing/2014/main" id="{BEB1060B-D704-9919-013F-05ADF7D1DB44}"/>
+                </a:ext>
+              </a:extLst>
+            </p:cNvPr>
+            <p:cNvSpPr/>
+            <p:nvPr/>
+          </p:nvSpPr>
+          <p:spPr>
+            <a:xfrm>
+              <a:off x="1526950" y="2005189"/>
+              <a:ext cx="470771" cy="345637"/>
+            </a:xfrm>
+            <a:prstGeom prst="rect">
+              <a:avLst/>
+            </a:prstGeom>
+            <a:noFill/>
+            <a:ln w="19050">
+              <a:solidFill>
+                <a:schemeClr val="tx1"/>
+              </a:solidFill>
+            </a:ln>
+          </p:spPr>
+          <p:style>
+            <a:lnRef idx="2">
+              <a:schemeClr val="accent1">
+                <a:shade val="50000"/>
+              </a:schemeClr>
+            </a:lnRef>
+            <a:fillRef idx="1">
+              <a:schemeClr val="accent1"/>
+            </a:fillRef>
+            <a:effectRef idx="0">
+              <a:schemeClr val="accent1"/>
+            </a:effectRef>
+            <a:fontRef idx="minor">
+              <a:schemeClr val="lt1"/>
+            </a:fontRef>
+          </p:style>
+          <p:txBody>
+            <a:bodyPr lIns="36000" tIns="36000" rIns="36000" bIns="36000" rtlCol="0" anchor="ctr"/>
+            <a:lstStyle/>
+            <a:p>
+              <a:pPr lvl="0" algn="ctr"/>
+              <a:r>
+                <a:rPr lang="en-US" altLang="ko-KR" sz="1400" dirty="0">
+                  <a:solidFill>
+                    <a:schemeClr val="tx1"/>
+                  </a:solidFill>
+                </a:rPr>
+                <a:t>26</a:t>
+              </a:r>
+              <a:endParaRPr lang="ko-KR" altLang="en-US" sz="1400" dirty="0">
+                <a:solidFill>
+                  <a:schemeClr val="tx1"/>
+                </a:solidFill>
+              </a:endParaRPr>
+            </a:p>
+          </p:txBody>
+        </p:sp>
+        <p:sp>
+          <p:nvSpPr>
+            <p:cNvPr id="111" name="직사각형 110">
+              <a:extLst>
+                <a:ext uri="{FF2B5EF4-FFF2-40B4-BE49-F238E27FC236}">
+                  <a16:creationId xmlns:a16="http://schemas.microsoft.com/office/drawing/2014/main" id="{FAE98E81-7FBE-2256-C873-AFC9FBA56F0B}"/>
+                </a:ext>
+              </a:extLst>
+            </p:cNvPr>
+            <p:cNvSpPr/>
+            <p:nvPr/>
+          </p:nvSpPr>
+          <p:spPr>
+            <a:xfrm>
+              <a:off x="4351576" y="2005189"/>
+              <a:ext cx="470771" cy="345637"/>
+            </a:xfrm>
+            <a:prstGeom prst="rect">
+              <a:avLst/>
+            </a:prstGeom>
+            <a:noFill/>
+            <a:ln w="19050">
+              <a:solidFill>
+                <a:schemeClr val="tx1"/>
+              </a:solidFill>
+            </a:ln>
+          </p:spPr>
+          <p:style>
+            <a:lnRef idx="2">
+              <a:schemeClr val="accent1">
+                <a:shade val="50000"/>
+              </a:schemeClr>
+            </a:lnRef>
+            <a:fillRef idx="1">
+              <a:schemeClr val="accent1"/>
+            </a:fillRef>
+            <a:effectRef idx="0">
+              <a:schemeClr val="accent1"/>
+            </a:effectRef>
+            <a:fontRef idx="minor">
+              <a:schemeClr val="lt1"/>
+            </a:fontRef>
+          </p:style>
+          <p:txBody>
+            <a:bodyPr lIns="36000" tIns="36000" rIns="36000" bIns="36000" rtlCol="0" anchor="ctr"/>
+            <a:lstStyle/>
+            <a:p>
+              <a:pPr lvl="0" algn="ctr"/>
+              <a:r>
+                <a:rPr lang="en-US" altLang="ko-KR" sz="1400" dirty="0">
+                  <a:solidFill>
+                    <a:schemeClr val="tx1"/>
+                  </a:solidFill>
+                </a:rPr>
+                <a:t>55</a:t>
+              </a:r>
+              <a:endParaRPr lang="ko-KR" altLang="en-US" sz="1400" dirty="0">
+                <a:solidFill>
+                  <a:schemeClr val="tx1"/>
+                </a:solidFill>
+              </a:endParaRPr>
+            </a:p>
+          </p:txBody>
+        </p:sp>
+        <p:sp>
+          <p:nvSpPr>
+            <p:cNvPr id="112" name="직사각형 111">
+              <a:extLst>
+                <a:ext uri="{FF2B5EF4-FFF2-40B4-BE49-F238E27FC236}">
+                  <a16:creationId xmlns:a16="http://schemas.microsoft.com/office/drawing/2014/main" id="{5788E3AA-B937-D73C-03DF-46E1AA634B53}"/>
+                </a:ext>
+              </a:extLst>
+            </p:cNvPr>
+            <p:cNvSpPr/>
+            <p:nvPr/>
+          </p:nvSpPr>
+          <p:spPr>
+            <a:xfrm>
+              <a:off x="4822347" y="2005189"/>
+              <a:ext cx="470771" cy="345637"/>
+            </a:xfrm>
+            <a:prstGeom prst="rect">
+              <a:avLst/>
+            </a:prstGeom>
+            <a:noFill/>
+            <a:ln w="19050">
+              <a:solidFill>
+                <a:schemeClr val="tx1"/>
+              </a:solidFill>
+            </a:ln>
+          </p:spPr>
+          <p:style>
+            <a:lnRef idx="2">
+              <a:schemeClr val="accent1">
+                <a:shade val="50000"/>
+              </a:schemeClr>
+            </a:lnRef>
+            <a:fillRef idx="1">
+              <a:schemeClr val="accent1"/>
+            </a:fillRef>
+            <a:effectRef idx="0">
+              <a:schemeClr val="accent1"/>
+            </a:effectRef>
+            <a:fontRef idx="minor">
+              <a:schemeClr val="lt1"/>
+            </a:fontRef>
+          </p:style>
+          <p:txBody>
+            <a:bodyPr lIns="36000" tIns="36000" rIns="36000" bIns="36000" rtlCol="0" anchor="ctr"/>
+            <a:lstStyle/>
+            <a:p>
+              <a:pPr lvl="0" algn="ctr"/>
+              <a:r>
+                <a:rPr lang="en-US" altLang="ko-KR" sz="1400" dirty="0">
+                  <a:solidFill>
+                    <a:srgbClr val="C00000"/>
+                  </a:solidFill>
+                </a:rPr>
+                <a:t>93</a:t>
+              </a:r>
+              <a:endParaRPr lang="ko-KR" altLang="en-US" sz="1400" dirty="0">
+                <a:solidFill>
+                  <a:srgbClr val="C00000"/>
+                </a:solidFill>
+              </a:endParaRPr>
+            </a:p>
+          </p:txBody>
+        </p:sp>
+        <p:sp>
+          <p:nvSpPr>
+            <p:cNvPr id="113" name="직사각형 112">
+              <a:extLst>
+                <a:ext uri="{FF2B5EF4-FFF2-40B4-BE49-F238E27FC236}">
+                  <a16:creationId xmlns:a16="http://schemas.microsoft.com/office/drawing/2014/main" id="{63A19555-E57F-C7DC-CE59-C15C22ADA35A}"/>
+                </a:ext>
+              </a:extLst>
+            </p:cNvPr>
+            <p:cNvSpPr/>
+            <p:nvPr/>
+          </p:nvSpPr>
+          <p:spPr>
+            <a:xfrm>
+              <a:off x="3410034" y="2005189"/>
+              <a:ext cx="470771" cy="345637"/>
+            </a:xfrm>
+            <a:prstGeom prst="rect">
+              <a:avLst/>
+            </a:prstGeom>
+            <a:noFill/>
+            <a:ln w="19050">
+              <a:solidFill>
+                <a:schemeClr val="tx1"/>
+              </a:solidFill>
+            </a:ln>
+          </p:spPr>
+          <p:style>
+            <a:lnRef idx="2">
+              <a:schemeClr val="accent1">
+                <a:shade val="50000"/>
+              </a:schemeClr>
+            </a:lnRef>
+            <a:fillRef idx="1">
+              <a:schemeClr val="accent1"/>
+            </a:fillRef>
+            <a:effectRef idx="0">
+              <a:schemeClr val="accent1"/>
+            </a:effectRef>
+            <a:fontRef idx="minor">
+              <a:schemeClr val="lt1"/>
+            </a:fontRef>
+          </p:style>
+          <p:txBody>
+            <a:bodyPr lIns="36000" tIns="36000" rIns="36000" bIns="36000" rtlCol="0" anchor="ctr"/>
+            <a:lstStyle/>
+            <a:p>
+              <a:pPr algn="ctr"/>
+              <a:r>
+                <a:rPr lang="en-US" altLang="ko-KR" sz="1400" dirty="0">
+                  <a:solidFill>
+                    <a:schemeClr val="tx1"/>
+                  </a:solidFill>
+                </a:rPr>
+                <a:t>31</a:t>
+              </a:r>
+              <a:endParaRPr lang="ko-KR" altLang="en-US" sz="1400" dirty="0">
+                <a:solidFill>
+                  <a:schemeClr val="tx1"/>
+                </a:solidFill>
+              </a:endParaRPr>
+            </a:p>
+          </p:txBody>
+        </p:sp>
+        <p:sp>
+          <p:nvSpPr>
+            <p:cNvPr id="114" name="직사각형 113">
+              <a:extLst>
+                <a:ext uri="{FF2B5EF4-FFF2-40B4-BE49-F238E27FC236}">
+                  <a16:creationId xmlns:a16="http://schemas.microsoft.com/office/drawing/2014/main" id="{A44A63EC-1CE6-C6F8-A34B-7B7A235F47AB}"/>
+                </a:ext>
+              </a:extLst>
+            </p:cNvPr>
+            <p:cNvSpPr/>
+            <p:nvPr/>
+          </p:nvSpPr>
+          <p:spPr>
+            <a:xfrm>
+              <a:off x="3880805" y="2005189"/>
+              <a:ext cx="470771" cy="345637"/>
+            </a:xfrm>
+            <a:prstGeom prst="rect">
+              <a:avLst/>
+            </a:prstGeom>
+            <a:noFill/>
+            <a:ln w="19050">
+              <a:solidFill>
+                <a:schemeClr val="tx1"/>
+              </a:solidFill>
+            </a:ln>
+          </p:spPr>
+          <p:style>
+            <a:lnRef idx="2">
+              <a:schemeClr val="accent1">
+                <a:shade val="50000"/>
+              </a:schemeClr>
+            </a:lnRef>
+            <a:fillRef idx="1">
+              <a:schemeClr val="accent1"/>
+            </a:fillRef>
+            <a:effectRef idx="0">
+              <a:schemeClr val="accent1"/>
+            </a:effectRef>
+            <a:fontRef idx="minor">
+              <a:schemeClr val="lt1"/>
+            </a:fontRef>
+          </p:style>
+          <p:txBody>
+            <a:bodyPr lIns="36000" tIns="36000" rIns="36000" bIns="36000" rtlCol="0" anchor="ctr"/>
+            <a:lstStyle/>
+            <a:p>
+              <a:pPr lvl="0" algn="ctr"/>
+              <a:r>
+                <a:rPr lang="en-US" altLang="ko-KR" sz="1400" dirty="0">
+                  <a:solidFill>
+                    <a:schemeClr val="tx1"/>
+                  </a:solidFill>
+                </a:rPr>
+                <a:t>44</a:t>
+              </a:r>
+              <a:endParaRPr lang="ko-KR" altLang="en-US" sz="1400" dirty="0">
+                <a:solidFill>
+                  <a:schemeClr val="tx1"/>
+                </a:solidFill>
+              </a:endParaRPr>
+            </a:p>
+          </p:txBody>
+        </p:sp>
+      </p:grpSp>
     </p:spTree>
     <p:extLst>
       <p:ext uri="{BB962C8B-B14F-4D97-AF65-F5344CB8AC3E}">
@@ -20466,46 +20592,6 @@
       </p:sp>
       <p:sp>
         <p:nvSpPr>
-          <p:cNvPr id="277" name="TextBox 276">
-            <a:extLst>
-              <a:ext uri="{FF2B5EF4-FFF2-40B4-BE49-F238E27FC236}">
-                <a16:creationId xmlns:a16="http://schemas.microsoft.com/office/drawing/2014/main" id="{3C699A88-264F-52FF-E8C2-97FBB4D43EA8}"/>
-              </a:ext>
-            </a:extLst>
-          </p:cNvPr>
-          <p:cNvSpPr txBox="1"/>
-          <p:nvPr/>
-        </p:nvSpPr>
-        <p:spPr>
-          <a:xfrm>
-            <a:off x="1271790" y="2068159"/>
-            <a:ext cx="1851202" cy="257369"/>
-          </a:xfrm>
-          <a:prstGeom prst="rect">
-            <a:avLst/>
-          </a:prstGeom>
-          <a:noFill/>
-        </p:spPr>
-        <p:txBody>
-          <a:bodyPr wrap="square" lIns="36000" tIns="36000" rIns="36000" bIns="36000">
-            <a:spAutoFit/>
-          </a:bodyPr>
-          <a:lstStyle/>
-          <a:p>
-            <a:pPr algn="ctr"/>
-            <a:r>
-              <a:rPr lang="en-US" altLang="ko-KR" sz="1200" dirty="0">
-                <a:latin typeface="Consolas" panose="020B0609020204030204" pitchFamily="49" charset="0"/>
-                <a:cs typeface="Times New Roman"/>
-              </a:rPr>
-              <a:t>pick 26 &amp; inserted</a:t>
-            </a:r>
-            <a:endParaRPr lang="ko-KR" altLang="en-US" sz="1200" dirty="0"/>
-          </a:p>
-        </p:txBody>
-      </p:sp>
-      <p:sp>
-        <p:nvSpPr>
           <p:cNvPr id="278" name="TextBox 277">
             <a:extLst>
               <a:ext uri="{FF2B5EF4-FFF2-40B4-BE49-F238E27FC236}">
@@ -20624,48 +20710,6 @@
           </a:p>
         </p:txBody>
       </p:sp>
-      <p:cxnSp>
-        <p:nvCxnSpPr>
-          <p:cNvPr id="281" name="직선 화살표 연결선 280">
-            <a:extLst>
-              <a:ext uri="{FF2B5EF4-FFF2-40B4-BE49-F238E27FC236}">
-                <a16:creationId xmlns:a16="http://schemas.microsoft.com/office/drawing/2014/main" id="{918918C3-0DA9-3AFC-5D14-C22D01EA5101}"/>
-              </a:ext>
-            </a:extLst>
-          </p:cNvPr>
-          <p:cNvCxnSpPr/>
-          <p:nvPr/>
-        </p:nvCxnSpPr>
-        <p:spPr>
-          <a:xfrm>
-            <a:off x="1406212" y="1985001"/>
-            <a:ext cx="216024" cy="0"/>
-          </a:xfrm>
-          <a:prstGeom prst="straightConnector1">
-            <a:avLst/>
-          </a:prstGeom>
-          <a:ln>
-            <a:solidFill>
-              <a:srgbClr val="C00000"/>
-            </a:solidFill>
-            <a:tailEnd type="triangle"/>
-          </a:ln>
-        </p:spPr>
-        <p:style>
-          <a:lnRef idx="1">
-            <a:schemeClr val="accent1"/>
-          </a:lnRef>
-          <a:fillRef idx="0">
-            <a:schemeClr val="accent1"/>
-          </a:fillRef>
-          <a:effectRef idx="0">
-            <a:schemeClr val="accent1"/>
-          </a:effectRef>
-          <a:fontRef idx="minor">
-            <a:schemeClr val="tx1"/>
-          </a:fontRef>
-        </p:style>
-      </p:cxnSp>
       <p:cxnSp>
         <p:nvCxnSpPr>
           <p:cNvPr id="282" name="직선 화살표 연결선 281">
@@ -21406,6 +21450,101 @@
           </a:p>
         </p:txBody>
       </p:sp>
+      <p:sp>
+        <p:nvSpPr>
+          <p:cNvPr id="3" name="TextBox 2">
+            <a:extLst>
+              <a:ext uri="{FF2B5EF4-FFF2-40B4-BE49-F238E27FC236}">
+                <a16:creationId xmlns:a16="http://schemas.microsoft.com/office/drawing/2014/main" id="{E2434B00-5327-2BF4-08F6-0243567D31F2}"/>
+              </a:ext>
+            </a:extLst>
+          </p:cNvPr>
+          <p:cNvSpPr txBox="1"/>
+          <p:nvPr/>
+        </p:nvSpPr>
+        <p:spPr>
+          <a:xfrm>
+            <a:off x="1038719" y="1752470"/>
+            <a:ext cx="1851202" cy="257369"/>
+          </a:xfrm>
+          <a:prstGeom prst="rect">
+            <a:avLst/>
+          </a:prstGeom>
+          <a:noFill/>
+        </p:spPr>
+        <p:txBody>
+          <a:bodyPr wrap="square" lIns="36000" tIns="36000" rIns="36000" bIns="36000">
+            <a:spAutoFit/>
+          </a:bodyPr>
+          <a:lstStyle/>
+          <a:p>
+            <a:pPr algn="ctr"/>
+            <a:r>
+              <a:rPr lang="en-US" altLang="ko-KR" sz="1200" dirty="0">
+                <a:solidFill>
+                  <a:srgbClr val="C00000"/>
+                </a:solidFill>
+                <a:latin typeface="Consolas" panose="020B0609020204030204" pitchFamily="49" charset="0"/>
+                <a:cs typeface="Times New Roman"/>
+              </a:rPr>
+              <a:t>pick 26 &amp; inserted</a:t>
+            </a:r>
+            <a:endParaRPr lang="ko-KR" altLang="en-US" sz="1200" dirty="0">
+              <a:solidFill>
+                <a:srgbClr val="C00000"/>
+              </a:solidFill>
+            </a:endParaRPr>
+          </a:p>
+        </p:txBody>
+      </p:sp>
+      <p:cxnSp>
+        <p:nvCxnSpPr>
+          <p:cNvPr id="5" name="연결선: 구부러짐 4">
+            <a:extLst>
+              <a:ext uri="{FF2B5EF4-FFF2-40B4-BE49-F238E27FC236}">
+                <a16:creationId xmlns:a16="http://schemas.microsoft.com/office/drawing/2014/main" id="{C0C4BCA5-0726-D055-D728-8AE715FEA58C}"/>
+              </a:ext>
+            </a:extLst>
+          </p:cNvPr>
+          <p:cNvCxnSpPr>
+            <a:cxnSpLocks/>
+            <a:stCxn id="195" idx="1"/>
+            <a:endCxn id="204" idx="1"/>
+          </p:cNvCxnSpPr>
+          <p:nvPr/>
+        </p:nvCxnSpPr>
+        <p:spPr>
+          <a:xfrm rot="10800000" flipV="1">
+            <a:off x="3021428" y="1643206"/>
+            <a:ext cx="1" cy="534801"/>
+          </a:xfrm>
+          <a:prstGeom prst="curvedConnector3">
+            <a:avLst>
+              <a:gd name="adj1" fmla="val 22860100000"/>
+            </a:avLst>
+          </a:prstGeom>
+          <a:ln>
+            <a:solidFill>
+              <a:srgbClr val="C00000"/>
+            </a:solidFill>
+            <a:tailEnd type="triangle"/>
+          </a:ln>
+        </p:spPr>
+        <p:style>
+          <a:lnRef idx="1">
+            <a:schemeClr val="accent1"/>
+          </a:lnRef>
+          <a:fillRef idx="0">
+            <a:schemeClr val="accent1"/>
+          </a:fillRef>
+          <a:effectRef idx="0">
+            <a:schemeClr val="accent1"/>
+          </a:effectRef>
+          <a:fontRef idx="minor">
+            <a:schemeClr val="tx1"/>
+          </a:fontRef>
+        </p:style>
+      </p:cxnSp>
     </p:spTree>
     <p:extLst>
       <p:ext uri="{BB962C8B-B14F-4D97-AF65-F5344CB8AC3E}">

--- a/ppts/5-0 SortingQuizzes.pptx
+++ b/ppts/5-0 SortingQuizzes.pptx
@@ -5,10 +5,10 @@
     <p:sldMasterId id="2147483675" r:id="rId1"/>
   </p:sldMasterIdLst>
   <p:notesMasterIdLst>
-    <p:notesMasterId r:id="rId11"/>
+    <p:notesMasterId r:id="rId12"/>
   </p:notesMasterIdLst>
   <p:handoutMasterIdLst>
-    <p:handoutMasterId r:id="rId12"/>
+    <p:handoutMasterId r:id="rId13"/>
   </p:handoutMasterIdLst>
   <p:sldIdLst>
     <p:sldId id="339" r:id="rId2"/>
@@ -18,8 +18,9 @@
     <p:sldId id="550" r:id="rId6"/>
     <p:sldId id="552" r:id="rId7"/>
     <p:sldId id="551" r:id="rId8"/>
-    <p:sldId id="575" r:id="rId9"/>
-    <p:sldId id="620" r:id="rId10"/>
+    <p:sldId id="558" r:id="rId9"/>
+    <p:sldId id="575" r:id="rId10"/>
+    <p:sldId id="620" r:id="rId11"/>
   </p:sldIdLst>
   <p:sldSz cx="13004800" cy="7315200"/>
   <p:notesSz cx="6858000" cy="9144000"/>
@@ -437,7 +438,7 @@
           <a:p>
             <a:fld id="{A9ADF8C7-AEDF-43D6-9DAF-DECAC1AD2E30}" type="datetimeFigureOut">
               <a:rPr lang="ko-KR" altLang="en-US" smtClean="0"/>
-              <a:t>2024-04-15</a:t>
+              <a:t>2024-04-18</a:t>
             </a:fld>
             <a:endParaRPr lang="ko-KR" altLang="en-US"/>
           </a:p>
@@ -774,6 +775,87 @@
 </p:notes>
 </file>
 
+<file path=ppt/notesSlides/notesSlide10.xml><?xml version="1.0" encoding="utf-8"?>
+<p:notes xmlns:a="http://schemas.openxmlformats.org/drawingml/2006/main" xmlns:r="http://schemas.openxmlformats.org/officeDocument/2006/relationships" xmlns:p="http://schemas.openxmlformats.org/presentationml/2006/main">
+  <p:cSld>
+    <p:spTree>
+      <p:nvGrpSpPr>
+        <p:cNvPr id="1" name=""/>
+        <p:cNvGrpSpPr/>
+        <p:nvPr/>
+      </p:nvGrpSpPr>
+      <p:grpSpPr>
+        <a:xfrm>
+          <a:off x="0" y="0"/>
+          <a:ext cx="0" cy="0"/>
+          <a:chOff x="0" y="0"/>
+          <a:chExt cx="0" cy="0"/>
+        </a:xfrm>
+      </p:grpSpPr>
+      <p:sp>
+        <p:nvSpPr>
+          <p:cNvPr id="2" name="슬라이드 이미지 개체 틀 1"/>
+          <p:cNvSpPr>
+            <a:spLocks noGrp="1" noRot="1" noChangeAspect="1"/>
+          </p:cNvSpPr>
+          <p:nvPr>
+            <p:ph type="sldImg"/>
+          </p:nvPr>
+        </p:nvSpPr>
+        <p:spPr/>
+      </p:sp>
+      <p:sp>
+        <p:nvSpPr>
+          <p:cNvPr id="3" name="슬라이드 노트 개체 틀 2"/>
+          <p:cNvSpPr>
+            <a:spLocks noGrp="1"/>
+          </p:cNvSpPr>
+          <p:nvPr>
+            <p:ph type="body" idx="1"/>
+          </p:nvPr>
+        </p:nvSpPr>
+        <p:spPr/>
+        <p:txBody>
+          <a:bodyPr/>
+          <a:lstStyle/>
+          <a:p>
+            <a:pPr marL="0" marR="0" indent="0" defTabSz="975208" eaLnBrk="1" fontAlgn="auto" latinLnBrk="0" hangingPunct="1">
+              <a:lnSpc>
+                <a:spcPct val="100000"/>
+              </a:lnSpc>
+              <a:spcBef>
+                <a:spcPts val="0"/>
+              </a:spcBef>
+              <a:spcAft>
+                <a:spcPts val="0"/>
+              </a:spcAft>
+              <a:buClrTx/>
+              <a:buSzTx/>
+              <a:buFontTx/>
+              <a:buNone/>
+              <a:tabLst/>
+              <a:defRPr/>
+            </a:pPr>
+            <a:endParaRPr lang="en-US" altLang="ko-KR" sz="1200" dirty="0"/>
+          </a:p>
+          <a:p>
+            <a:endParaRPr lang="ko-KR" altLang="en-US" dirty="0"/>
+          </a:p>
+        </p:txBody>
+      </p:sp>
+    </p:spTree>
+    <p:extLst>
+      <p:ext uri="{BB962C8B-B14F-4D97-AF65-F5344CB8AC3E}">
+        <p14:creationId xmlns:p14="http://schemas.microsoft.com/office/powerpoint/2010/main" val="3151148356"/>
+      </p:ext>
+    </p:extLst>
+  </p:cSld>
+  <p:clrMapOvr>
+    <a:masterClrMapping/>
+  </p:clrMapOvr>
+</p:notes>
+</file>
+
 <file path=ppt/notesSlides/notesSlide2.xml><?xml version="1.0" encoding="utf-8"?>
 <p:notes xmlns:a="http://schemas.openxmlformats.org/drawingml/2006/main" xmlns:r="http://schemas.openxmlformats.org/officeDocument/2006/relationships" xmlns:p="http://schemas.openxmlformats.org/presentationml/2006/main">
   <p:cSld>
@@ -1191,7 +1273,7 @@
     </p:spTree>
     <p:extLst>
       <p:ext uri="{BB962C8B-B14F-4D97-AF65-F5344CB8AC3E}">
-        <p14:creationId xmlns:p14="http://schemas.microsoft.com/office/powerpoint/2010/main" val="451870157"/>
+        <p14:creationId xmlns:p14="http://schemas.microsoft.com/office/powerpoint/2010/main" val="3856502498"/>
       </p:ext>
     </p:extLst>
   </p:cSld>
@@ -1245,26 +1327,6 @@
           <a:bodyPr/>
           <a:lstStyle/>
           <a:p>
-            <a:pPr marL="0" marR="0" indent="0" defTabSz="975208" eaLnBrk="1" fontAlgn="auto" latinLnBrk="0" hangingPunct="1">
-              <a:lnSpc>
-                <a:spcPct val="100000"/>
-              </a:lnSpc>
-              <a:spcBef>
-                <a:spcPts val="0"/>
-              </a:spcBef>
-              <a:spcAft>
-                <a:spcPts val="0"/>
-              </a:spcAft>
-              <a:buClrTx/>
-              <a:buSzTx/>
-              <a:buFontTx/>
-              <a:buNone/>
-              <a:tabLst/>
-              <a:defRPr/>
-            </a:pPr>
-            <a:endParaRPr lang="en-US" altLang="ko-KR" sz="1200" dirty="0"/>
-          </a:p>
-          <a:p>
             <a:endParaRPr lang="ko-KR" altLang="en-US" dirty="0"/>
           </a:p>
         </p:txBody>
@@ -1272,7 +1334,7 @@
     </p:spTree>
     <p:extLst>
       <p:ext uri="{BB962C8B-B14F-4D97-AF65-F5344CB8AC3E}">
-        <p14:creationId xmlns:p14="http://schemas.microsoft.com/office/powerpoint/2010/main" val="3151148356"/>
+        <p14:creationId xmlns:p14="http://schemas.microsoft.com/office/powerpoint/2010/main" val="451870157"/>
       </p:ext>
     </p:extLst>
   </p:cSld>
@@ -1439,7 +1501,7 @@
           </a:ln>
           <a:extLst>
             <a:ext uri="{C572A759-6A51-4108-AA02-DFA0A04FC94B}">
-              <ma14:wrappingTextBoxFlag xmlns:ma14="http://schemas.microsoft.com/office/mac/drawingml/2011/main" xmlns="" val="1"/>
+              <ma14:wrappingTextBoxFlag xmlns="" xmlns:ma14="http://schemas.microsoft.com/office/mac/drawingml/2011/main" val="1"/>
             </a:ext>
           </a:extLst>
         </p:spPr>
@@ -3292,7 +3354,7 @@
           <a:p>
             <a:fld id="{AC778754-33AA-481A-B885-58843B94B2EC}" type="datetime1">
               <a:rPr lang="ko-KR" altLang="en-US" smtClean="0"/>
-              <a:t>2024-04-15</a:t>
+              <a:t>2024-04-18</a:t>
             </a:fld>
             <a:endParaRPr lang="ko-KR" altLang="en-US" dirty="0"/>
           </a:p>
@@ -4295,6 +4357,530 @@
 </p:sld>
 </file>
 
+<file path=ppt/slides/slide10.xml><?xml version="1.0" encoding="utf-8"?>
+<p:sld xmlns:a="http://schemas.openxmlformats.org/drawingml/2006/main" xmlns:r="http://schemas.openxmlformats.org/officeDocument/2006/relationships" xmlns:p="http://schemas.openxmlformats.org/presentationml/2006/main">
+  <p:cSld>
+    <p:spTree>
+      <p:nvGrpSpPr>
+        <p:cNvPr id="1" name=""/>
+        <p:cNvGrpSpPr/>
+        <p:nvPr/>
+      </p:nvGrpSpPr>
+      <p:grpSpPr>
+        <a:xfrm>
+          <a:off x="0" y="0"/>
+          <a:ext cx="0" cy="0"/>
+          <a:chOff x="0" y="0"/>
+          <a:chExt cx="0" cy="0"/>
+        </a:xfrm>
+      </p:grpSpPr>
+      <p:sp>
+        <p:nvSpPr>
+          <p:cNvPr id="2" name="슬라이드 번호 개체 틀 1">
+            <a:extLst>
+              <a:ext uri="{FF2B5EF4-FFF2-40B4-BE49-F238E27FC236}">
+                <a16:creationId xmlns:a16="http://schemas.microsoft.com/office/drawing/2014/main" id="{1FA164C2-2126-40C6-89DC-721C7FDD0CE2}"/>
+              </a:ext>
+            </a:extLst>
+          </p:cNvPr>
+          <p:cNvSpPr>
+            <a:spLocks noGrp="1"/>
+          </p:cNvSpPr>
+          <p:nvPr>
+            <p:ph type="sldNum" sz="quarter" idx="12"/>
+          </p:nvPr>
+        </p:nvSpPr>
+        <p:spPr/>
+        <p:txBody>
+          <a:bodyPr/>
+          <a:lstStyle/>
+          <a:p>
+            <a:fld id="{9085FD98-BA4B-4537-9251-5519BF532862}" type="slidenum">
+              <a:rPr lang="ko-KR" altLang="en-US" smtClean="0"/>
+              <a:pPr/>
+              <a:t>10</a:t>
+            </a:fld>
+            <a:endParaRPr lang="ko-KR" altLang="en-US" dirty="0"/>
+          </a:p>
+        </p:txBody>
+      </p:sp>
+      <p:sp>
+        <p:nvSpPr>
+          <p:cNvPr id="4" name="제목 1">
+            <a:extLst>
+              <a:ext uri="{FF2B5EF4-FFF2-40B4-BE49-F238E27FC236}">
+                <a16:creationId xmlns:a16="http://schemas.microsoft.com/office/drawing/2014/main" id="{8505B4B2-2AEB-4AA6-B6FA-F775CF41E87C}"/>
+              </a:ext>
+            </a:extLst>
+          </p:cNvPr>
+          <p:cNvSpPr txBox="1">
+            <a:spLocks/>
+          </p:cNvSpPr>
+          <p:nvPr/>
+        </p:nvSpPr>
+        <p:spPr>
+          <a:xfrm>
+            <a:off x="783327" y="3322024"/>
+            <a:ext cx="7109662" cy="671152"/>
+          </a:xfrm>
+          <a:prstGeom prst="rect">
+            <a:avLst/>
+          </a:prstGeom>
+        </p:spPr>
+        <p:txBody>
+          <a:bodyPr/>
+          <a:lstStyle>
+            <a:lvl1pPr marL="0" marR="0" indent="0" algn="l" defTabSz="685800" rtl="0" latinLnBrk="0">
+              <a:lnSpc>
+                <a:spcPct val="90000"/>
+              </a:lnSpc>
+              <a:spcBef>
+                <a:spcPts val="0"/>
+              </a:spcBef>
+              <a:spcAft>
+                <a:spcPts val="0"/>
+              </a:spcAft>
+              <a:buClrTx/>
+              <a:buSzTx/>
+              <a:buFontTx/>
+              <a:buNone/>
+              <a:tabLst/>
+              <a:defRPr sz="2700" b="1" i="0" u="none" strike="noStrike" cap="none" spc="0" baseline="0">
+                <a:ln w="9524">
+                  <a:solidFill>
+                    <a:srgbClr val="32538F">
+                      <a:alpha val="0"/>
+                    </a:srgbClr>
+                  </a:solidFill>
+                </a:ln>
+                <a:solidFill>
+                  <a:schemeClr val="tx1"/>
+                </a:solidFill>
+                <a:uFillTx/>
+                <a:latin typeface="+mn-lt"/>
+                <a:ea typeface="+mn-ea"/>
+                <a:cs typeface="+mn-cs"/>
+                <a:sym typeface="Helvetica"/>
+              </a:defRPr>
+            </a:lvl1pPr>
+            <a:lvl2pPr marL="0" marR="0" indent="0" algn="l" defTabSz="685800" rtl="0" latinLnBrk="0">
+              <a:lnSpc>
+                <a:spcPct val="90000"/>
+              </a:lnSpc>
+              <a:spcBef>
+                <a:spcPts val="0"/>
+              </a:spcBef>
+              <a:spcAft>
+                <a:spcPts val="0"/>
+              </a:spcAft>
+              <a:buClrTx/>
+              <a:buSzTx/>
+              <a:buFontTx/>
+              <a:buNone/>
+              <a:tabLst/>
+              <a:defRPr sz="2700" b="1" i="0" u="none" strike="noStrike" cap="none" spc="0" baseline="0">
+                <a:ln w="9524">
+                  <a:solidFill>
+                    <a:srgbClr val="32538F">
+                      <a:alpha val="0"/>
+                    </a:srgbClr>
+                  </a:solidFill>
+                </a:ln>
+                <a:solidFill>
+                  <a:schemeClr val="accent5"/>
+                </a:solidFill>
+                <a:uFillTx/>
+                <a:latin typeface="+mn-lt"/>
+                <a:ea typeface="+mn-ea"/>
+                <a:cs typeface="+mn-cs"/>
+                <a:sym typeface="Helvetica"/>
+              </a:defRPr>
+            </a:lvl2pPr>
+            <a:lvl3pPr marL="0" marR="0" indent="0" algn="l" defTabSz="685800" rtl="0" latinLnBrk="0">
+              <a:lnSpc>
+                <a:spcPct val="90000"/>
+              </a:lnSpc>
+              <a:spcBef>
+                <a:spcPts val="0"/>
+              </a:spcBef>
+              <a:spcAft>
+                <a:spcPts val="0"/>
+              </a:spcAft>
+              <a:buClrTx/>
+              <a:buSzTx/>
+              <a:buFontTx/>
+              <a:buNone/>
+              <a:tabLst/>
+              <a:defRPr sz="2700" b="1" i="0" u="none" strike="noStrike" cap="none" spc="0" baseline="0">
+                <a:ln w="9524">
+                  <a:solidFill>
+                    <a:srgbClr val="32538F">
+                      <a:alpha val="0"/>
+                    </a:srgbClr>
+                  </a:solidFill>
+                </a:ln>
+                <a:solidFill>
+                  <a:schemeClr val="accent5"/>
+                </a:solidFill>
+                <a:uFillTx/>
+                <a:latin typeface="+mn-lt"/>
+                <a:ea typeface="+mn-ea"/>
+                <a:cs typeface="+mn-cs"/>
+                <a:sym typeface="Helvetica"/>
+              </a:defRPr>
+            </a:lvl3pPr>
+            <a:lvl4pPr marL="0" marR="0" indent="0" algn="l" defTabSz="685800" rtl="0" latinLnBrk="0">
+              <a:lnSpc>
+                <a:spcPct val="90000"/>
+              </a:lnSpc>
+              <a:spcBef>
+                <a:spcPts val="0"/>
+              </a:spcBef>
+              <a:spcAft>
+                <a:spcPts val="0"/>
+              </a:spcAft>
+              <a:buClrTx/>
+              <a:buSzTx/>
+              <a:buFontTx/>
+              <a:buNone/>
+              <a:tabLst/>
+              <a:defRPr sz="2700" b="1" i="0" u="none" strike="noStrike" cap="none" spc="0" baseline="0">
+                <a:ln w="9524">
+                  <a:solidFill>
+                    <a:srgbClr val="32538F">
+                      <a:alpha val="0"/>
+                    </a:srgbClr>
+                  </a:solidFill>
+                </a:ln>
+                <a:solidFill>
+                  <a:schemeClr val="accent5"/>
+                </a:solidFill>
+                <a:uFillTx/>
+                <a:latin typeface="+mn-lt"/>
+                <a:ea typeface="+mn-ea"/>
+                <a:cs typeface="+mn-cs"/>
+                <a:sym typeface="Helvetica"/>
+              </a:defRPr>
+            </a:lvl4pPr>
+            <a:lvl5pPr marL="0" marR="0" indent="0" algn="l" defTabSz="685800" rtl="0" latinLnBrk="0">
+              <a:lnSpc>
+                <a:spcPct val="90000"/>
+              </a:lnSpc>
+              <a:spcBef>
+                <a:spcPts val="0"/>
+              </a:spcBef>
+              <a:spcAft>
+                <a:spcPts val="0"/>
+              </a:spcAft>
+              <a:buClrTx/>
+              <a:buSzTx/>
+              <a:buFontTx/>
+              <a:buNone/>
+              <a:tabLst/>
+              <a:defRPr sz="2700" b="1" i="0" u="none" strike="noStrike" cap="none" spc="0" baseline="0">
+                <a:ln w="9524">
+                  <a:solidFill>
+                    <a:srgbClr val="32538F">
+                      <a:alpha val="0"/>
+                    </a:srgbClr>
+                  </a:solidFill>
+                </a:ln>
+                <a:solidFill>
+                  <a:schemeClr val="accent5"/>
+                </a:solidFill>
+                <a:uFillTx/>
+                <a:latin typeface="+mn-lt"/>
+                <a:ea typeface="+mn-ea"/>
+                <a:cs typeface="+mn-cs"/>
+                <a:sym typeface="Helvetica"/>
+              </a:defRPr>
+            </a:lvl5pPr>
+            <a:lvl6pPr marL="0" marR="0" indent="0" algn="l" defTabSz="685800" rtl="0" latinLnBrk="0">
+              <a:lnSpc>
+                <a:spcPct val="90000"/>
+              </a:lnSpc>
+              <a:spcBef>
+                <a:spcPts val="0"/>
+              </a:spcBef>
+              <a:spcAft>
+                <a:spcPts val="0"/>
+              </a:spcAft>
+              <a:buClrTx/>
+              <a:buSzTx/>
+              <a:buFontTx/>
+              <a:buNone/>
+              <a:tabLst/>
+              <a:defRPr sz="2700" b="1" i="0" u="none" strike="noStrike" cap="none" spc="0" baseline="0">
+                <a:ln w="9524">
+                  <a:solidFill>
+                    <a:srgbClr val="32538F">
+                      <a:alpha val="0"/>
+                    </a:srgbClr>
+                  </a:solidFill>
+                </a:ln>
+                <a:solidFill>
+                  <a:schemeClr val="accent5"/>
+                </a:solidFill>
+                <a:uFillTx/>
+                <a:latin typeface="+mn-lt"/>
+                <a:ea typeface="+mn-ea"/>
+                <a:cs typeface="+mn-cs"/>
+                <a:sym typeface="Helvetica"/>
+              </a:defRPr>
+            </a:lvl6pPr>
+            <a:lvl7pPr marL="0" marR="0" indent="0" algn="l" defTabSz="685800" rtl="0" latinLnBrk="0">
+              <a:lnSpc>
+                <a:spcPct val="90000"/>
+              </a:lnSpc>
+              <a:spcBef>
+                <a:spcPts val="0"/>
+              </a:spcBef>
+              <a:spcAft>
+                <a:spcPts val="0"/>
+              </a:spcAft>
+              <a:buClrTx/>
+              <a:buSzTx/>
+              <a:buFontTx/>
+              <a:buNone/>
+              <a:tabLst/>
+              <a:defRPr sz="2700" b="1" i="0" u="none" strike="noStrike" cap="none" spc="0" baseline="0">
+                <a:ln w="9524">
+                  <a:solidFill>
+                    <a:srgbClr val="32538F">
+                      <a:alpha val="0"/>
+                    </a:srgbClr>
+                  </a:solidFill>
+                </a:ln>
+                <a:solidFill>
+                  <a:schemeClr val="accent5"/>
+                </a:solidFill>
+                <a:uFillTx/>
+                <a:latin typeface="+mn-lt"/>
+                <a:ea typeface="+mn-ea"/>
+                <a:cs typeface="+mn-cs"/>
+                <a:sym typeface="Helvetica"/>
+              </a:defRPr>
+            </a:lvl7pPr>
+            <a:lvl8pPr marL="0" marR="0" indent="0" algn="l" defTabSz="685800" rtl="0" latinLnBrk="0">
+              <a:lnSpc>
+                <a:spcPct val="90000"/>
+              </a:lnSpc>
+              <a:spcBef>
+                <a:spcPts val="0"/>
+              </a:spcBef>
+              <a:spcAft>
+                <a:spcPts val="0"/>
+              </a:spcAft>
+              <a:buClrTx/>
+              <a:buSzTx/>
+              <a:buFontTx/>
+              <a:buNone/>
+              <a:tabLst/>
+              <a:defRPr sz="2700" b="1" i="0" u="none" strike="noStrike" cap="none" spc="0" baseline="0">
+                <a:ln w="9524">
+                  <a:solidFill>
+                    <a:srgbClr val="32538F">
+                      <a:alpha val="0"/>
+                    </a:srgbClr>
+                  </a:solidFill>
+                </a:ln>
+                <a:solidFill>
+                  <a:schemeClr val="accent5"/>
+                </a:solidFill>
+                <a:uFillTx/>
+                <a:latin typeface="+mn-lt"/>
+                <a:ea typeface="+mn-ea"/>
+                <a:cs typeface="+mn-cs"/>
+                <a:sym typeface="Helvetica"/>
+              </a:defRPr>
+            </a:lvl8pPr>
+            <a:lvl9pPr marL="0" marR="0" indent="0" algn="l" defTabSz="685800" rtl="0" latinLnBrk="0">
+              <a:lnSpc>
+                <a:spcPct val="90000"/>
+              </a:lnSpc>
+              <a:spcBef>
+                <a:spcPts val="0"/>
+              </a:spcBef>
+              <a:spcAft>
+                <a:spcPts val="0"/>
+              </a:spcAft>
+              <a:buClrTx/>
+              <a:buSzTx/>
+              <a:buFontTx/>
+              <a:buNone/>
+              <a:tabLst/>
+              <a:defRPr sz="2700" b="1" i="0" u="none" strike="noStrike" cap="none" spc="0" baseline="0">
+                <a:ln w="9524">
+                  <a:solidFill>
+                    <a:srgbClr val="32538F">
+                      <a:alpha val="0"/>
+                    </a:srgbClr>
+                  </a:solidFill>
+                </a:ln>
+                <a:solidFill>
+                  <a:schemeClr val="accent5"/>
+                </a:solidFill>
+                <a:uFillTx/>
+                <a:latin typeface="+mn-lt"/>
+                <a:ea typeface="+mn-ea"/>
+                <a:cs typeface="+mn-cs"/>
+                <a:sym typeface="Helvetica"/>
+              </a:defRPr>
+            </a:lvl9pPr>
+          </a:lstStyle>
+          <a:p>
+            <a:pPr algn="r" hangingPunct="1">
+              <a:defRPr sz="4400">
+                <a:solidFill>
+                  <a:srgbClr val="FFFFFF"/>
+                </a:solidFill>
+              </a:defRPr>
+            </a:pPr>
+            <a:r>
+              <a:rPr lang="en-US" altLang="ko-KR" sz="4400" dirty="0">
+                <a:solidFill>
+                  <a:srgbClr val="FFFFFF"/>
+                </a:solidFill>
+                <a:latin typeface="나눔고딕" panose="020D0604000000000000" pitchFamily="50" charset="-127"/>
+                <a:ea typeface="나눔고딕" panose="020D0604000000000000" pitchFamily="50" charset="-127"/>
+              </a:rPr>
+              <a:t>C++ For C Coders 7</a:t>
+            </a:r>
+          </a:p>
+        </p:txBody>
+      </p:sp>
+      <p:sp>
+        <p:nvSpPr>
+          <p:cNvPr id="5" name="직사각형 4">
+            <a:extLst>
+              <a:ext uri="{FF2B5EF4-FFF2-40B4-BE49-F238E27FC236}">
+                <a16:creationId xmlns:a16="http://schemas.microsoft.com/office/drawing/2014/main" id="{55B4D85A-07BF-42B5-BDA2-C7FBC4ECBE2D}"/>
+              </a:ext>
+            </a:extLst>
+          </p:cNvPr>
+          <p:cNvSpPr/>
+          <p:nvPr/>
+        </p:nvSpPr>
+        <p:spPr>
+          <a:xfrm>
+            <a:off x="1009934" y="4753016"/>
+            <a:ext cx="7049309" cy="1015663"/>
+          </a:xfrm>
+          <a:prstGeom prst="rect">
+            <a:avLst/>
+          </a:prstGeom>
+        </p:spPr>
+        <p:txBody>
+          <a:bodyPr wrap="square">
+            <a:spAutoFit/>
+          </a:bodyPr>
+          <a:lstStyle/>
+          <a:p>
+            <a:pPr algn="r" hangingPunct="1">
+              <a:defRPr sz="4400">
+                <a:solidFill>
+                  <a:srgbClr val="FFFFFF"/>
+                </a:solidFill>
+              </a:defRPr>
+            </a:pPr>
+            <a:r>
+              <a:rPr lang="en-US" altLang="ko-KR" sz="2000">
+                <a:solidFill>
+                  <a:schemeClr val="tx1"/>
+                </a:solidFill>
+                <a:latin typeface="나눔고딕" panose="020D0604000000000000" pitchFamily="50" charset="-127"/>
+                <a:ea typeface="나눔고딕" panose="020D0604000000000000" pitchFamily="50" charset="-127"/>
+              </a:rPr>
+              <a:t>Bubble </a:t>
+            </a:r>
+            <a:r>
+              <a:rPr lang="en-US" altLang="ko-KR" sz="2000" dirty="0">
+                <a:solidFill>
+                  <a:schemeClr val="tx1"/>
+                </a:solidFill>
+                <a:latin typeface="나눔고딕" panose="020D0604000000000000" pitchFamily="50" charset="-127"/>
+                <a:ea typeface="나눔고딕" panose="020D0604000000000000" pitchFamily="50" charset="-127"/>
+              </a:rPr>
+              <a:t>S</a:t>
+            </a:r>
+            <a:r>
+              <a:rPr lang="en-US" altLang="ko-KR" sz="2000">
+                <a:solidFill>
+                  <a:schemeClr val="tx1"/>
+                </a:solidFill>
+                <a:latin typeface="나눔고딕" panose="020D0604000000000000" pitchFamily="50" charset="-127"/>
+                <a:ea typeface="나눔고딕" panose="020D0604000000000000" pitchFamily="50" charset="-127"/>
+              </a:rPr>
+              <a:t>ort</a:t>
+            </a:r>
+            <a:endParaRPr lang="en-US" altLang="ko-KR" sz="2000" dirty="0">
+              <a:solidFill>
+                <a:schemeClr val="tx1"/>
+              </a:solidFill>
+              <a:latin typeface="나눔고딕" panose="020D0604000000000000" pitchFamily="50" charset="-127"/>
+              <a:ea typeface="나눔고딕" panose="020D0604000000000000" pitchFamily="50" charset="-127"/>
+            </a:endParaRPr>
+          </a:p>
+          <a:p>
+            <a:pPr algn="r" hangingPunct="1">
+              <a:defRPr sz="4400">
+                <a:solidFill>
+                  <a:srgbClr val="FFFFFF"/>
+                </a:solidFill>
+              </a:defRPr>
+            </a:pPr>
+            <a:r>
+              <a:rPr lang="en-US" altLang="ko-KR" sz="2000">
+                <a:solidFill>
+                  <a:schemeClr val="tx1"/>
+                </a:solidFill>
+                <a:latin typeface="나눔고딕" panose="020D0604000000000000" pitchFamily="50" charset="-127"/>
+                <a:ea typeface="나눔고딕" panose="020D0604000000000000" pitchFamily="50" charset="-127"/>
+              </a:rPr>
+              <a:t>Selection Sort</a:t>
+            </a:r>
+          </a:p>
+          <a:p>
+            <a:pPr algn="r" hangingPunct="1">
+              <a:defRPr sz="4400">
+                <a:solidFill>
+                  <a:srgbClr val="FFFFFF"/>
+                </a:solidFill>
+              </a:defRPr>
+            </a:pPr>
+            <a:r>
+              <a:rPr lang="en-US" altLang="ko-KR" sz="2000">
+                <a:solidFill>
+                  <a:schemeClr val="tx1"/>
+                </a:solidFill>
+                <a:latin typeface="나눔고딕" panose="020D0604000000000000" pitchFamily="50" charset="-127"/>
+                <a:ea typeface="나눔고딕" panose="020D0604000000000000" pitchFamily="50" charset="-127"/>
+              </a:rPr>
+              <a:t>Insertion Sort</a:t>
+            </a:r>
+            <a:endParaRPr lang="en-US" altLang="ko-KR" sz="2000" dirty="0">
+              <a:solidFill>
+                <a:schemeClr val="tx1"/>
+              </a:solidFill>
+              <a:latin typeface="나눔고딕" panose="020D0604000000000000" pitchFamily="50" charset="-127"/>
+              <a:ea typeface="나눔고딕" panose="020D0604000000000000" pitchFamily="50" charset="-127"/>
+            </a:endParaRPr>
+          </a:p>
+        </p:txBody>
+      </p:sp>
+    </p:spTree>
+    <p:extLst>
+      <p:ext uri="{BB962C8B-B14F-4D97-AF65-F5344CB8AC3E}">
+        <p14:creationId xmlns:p14="http://schemas.microsoft.com/office/powerpoint/2010/main" val="643919231"/>
+      </p:ext>
+    </p:extLst>
+  </p:cSld>
+  <p:clrMapOvr>
+    <a:masterClrMapping/>
+  </p:clrMapOvr>
+</p:sld>
+</file>
+
 <file path=ppt/slides/slide2.xml><?xml version="1.0" encoding="utf-8"?>
 <p:sld xmlns:a="http://schemas.openxmlformats.org/drawingml/2006/main" xmlns:r="http://schemas.openxmlformats.org/officeDocument/2006/relationships" xmlns:p="http://schemas.openxmlformats.org/presentationml/2006/main">
   <p:cSld>
@@ -23392,6 +23978,649 @@
       </p:grpSpPr>
       <p:sp>
         <p:nvSpPr>
+          <p:cNvPr id="3" name="슬라이드 번호 개체 틀 2">
+            <a:extLst>
+              <a:ext uri="{FF2B5EF4-FFF2-40B4-BE49-F238E27FC236}">
+                <a16:creationId xmlns:a16="http://schemas.microsoft.com/office/drawing/2014/main" id="{96AA6512-5E1B-4404-8391-424335CAE6F6}"/>
+              </a:ext>
+            </a:extLst>
+          </p:cNvPr>
+          <p:cNvSpPr>
+            <a:spLocks noGrp="1"/>
+          </p:cNvSpPr>
+          <p:nvPr>
+            <p:ph type="sldNum" sz="quarter" idx="12"/>
+          </p:nvPr>
+        </p:nvSpPr>
+        <p:spPr/>
+        <p:txBody>
+          <a:bodyPr/>
+          <a:lstStyle/>
+          <a:p>
+            <a:fld id="{9085FD98-BA4B-4537-9251-5519BF532862}" type="slidenum">
+              <a:rPr lang="ko-KR" altLang="en-US" smtClean="0"/>
+              <a:t>8</a:t>
+            </a:fld>
+            <a:endParaRPr lang="ko-KR" altLang="en-US"/>
+          </a:p>
+        </p:txBody>
+      </p:sp>
+      <p:sp>
+        <p:nvSpPr>
+          <p:cNvPr id="4" name="제목 3">
+            <a:extLst>
+              <a:ext uri="{FF2B5EF4-FFF2-40B4-BE49-F238E27FC236}">
+                <a16:creationId xmlns:a16="http://schemas.microsoft.com/office/drawing/2014/main" id="{C49FC328-B106-427C-8A01-B822E238DECB}"/>
+              </a:ext>
+            </a:extLst>
+          </p:cNvPr>
+          <p:cNvSpPr>
+            <a:spLocks noGrp="1"/>
+          </p:cNvSpPr>
+          <p:nvPr>
+            <p:ph type="title"/>
+          </p:nvPr>
+        </p:nvSpPr>
+        <p:spPr/>
+        <p:txBody>
+          <a:bodyPr/>
+          <a:lstStyle/>
+          <a:p>
+            <a:r>
+              <a:rPr lang="en-US" altLang="ko-KR" dirty="0" err="1">
+                <a:solidFill>
+                  <a:schemeClr val="accent3">
+                    <a:lumMod val="50000"/>
+                  </a:schemeClr>
+                </a:solidFill>
+                <a:latin typeface="Century Gothic" panose="020B0502020202020204" pitchFamily="34" charset="0"/>
+              </a:rPr>
+              <a:t>Mergesort</a:t>
+            </a:r>
+            <a:r>
+              <a:rPr lang="en-US" altLang="ko-KR" dirty="0">
+                <a:solidFill>
+                  <a:schemeClr val="accent3">
+                    <a:lumMod val="50000"/>
+                  </a:schemeClr>
+                </a:solidFill>
+                <a:latin typeface="Century Gothic" panose="020B0502020202020204" pitchFamily="34" charset="0"/>
+              </a:rPr>
+              <a:t>: Quiz 2</a:t>
+            </a:r>
+            <a:endParaRPr lang="en-US" altLang="ko-KR" dirty="0">
+              <a:latin typeface="Century Gothic" panose="020B0502020202020204" pitchFamily="34" charset="0"/>
+            </a:endParaRPr>
+          </a:p>
+        </p:txBody>
+      </p:sp>
+      <p:sp>
+        <p:nvSpPr>
+          <p:cNvPr id="5" name="내용 개체 틀 1">
+            <a:extLst>
+              <a:ext uri="{FF2B5EF4-FFF2-40B4-BE49-F238E27FC236}">
+                <a16:creationId xmlns:a16="http://schemas.microsoft.com/office/drawing/2014/main" id="{4607587B-915A-489A-ABFA-97E59C2E9359}"/>
+              </a:ext>
+            </a:extLst>
+          </p:cNvPr>
+          <p:cNvSpPr txBox="1">
+            <a:spLocks/>
+          </p:cNvSpPr>
+          <p:nvPr/>
+        </p:nvSpPr>
+        <p:spPr>
+          <a:xfrm>
+            <a:off x="6498077" y="1164771"/>
+            <a:ext cx="5754883" cy="5713364"/>
+          </a:xfrm>
+          <a:prstGeom prst="rect">
+            <a:avLst/>
+          </a:prstGeom>
+        </p:spPr>
+        <p:txBody>
+          <a:bodyPr vert="horz" rtlCol="0">
+            <a:noAutofit/>
+          </a:bodyPr>
+          <a:lstStyle>
+            <a:lvl1pPr marL="365771" indent="-365771" eaLnBrk="1" latinLnBrk="1" hangingPunct="1">
+              <a:spcBef>
+                <a:spcPct val="20000"/>
+              </a:spcBef>
+              <a:buClr>
+                <a:schemeClr val="accent2"/>
+              </a:buClr>
+              <a:buFont typeface="Wingdings" panose="05000000000000000000" pitchFamily="2" charset="2"/>
+              <a:buChar char="§"/>
+              <a:defRPr sz="2800" kern="1200">
+                <a:solidFill>
+                  <a:schemeClr val="tx1"/>
+                </a:solidFill>
+                <a:latin typeface="Arial Rounded MT Bold" panose="020F0704030504030204" pitchFamily="34" charset="0"/>
+                <a:ea typeface="나눔고딕" panose="020D0604000000000000" pitchFamily="50" charset="-127"/>
+                <a:cs typeface="+mn-cs"/>
+              </a:defRPr>
+            </a:lvl1pPr>
+            <a:lvl2pPr marL="792505" lvl="1" indent="-304810" eaLnBrk="1" latinLnBrk="1" hangingPunct="1">
+              <a:spcBef>
+                <a:spcPct val="20000"/>
+              </a:spcBef>
+              <a:buClr>
+                <a:schemeClr val="accent3"/>
+              </a:buClr>
+              <a:buSzPct val="85000"/>
+              <a:buFont typeface="Wingdings" panose="05000000000000000000" pitchFamily="2" charset="2"/>
+              <a:buChar char="§"/>
+              <a:defRPr sz="2400" kern="1200">
+                <a:solidFill>
+                  <a:schemeClr val="tx1"/>
+                </a:solidFill>
+                <a:latin typeface="Arial Rounded MT Bold" panose="020F0704030504030204" pitchFamily="34" charset="0"/>
+                <a:ea typeface="나눔고딕" panose="020D0604000000000000" pitchFamily="50" charset="-127"/>
+                <a:cs typeface="+mn-cs"/>
+              </a:defRPr>
+            </a:lvl2pPr>
+            <a:lvl3pPr marL="1219238" indent="-243848" eaLnBrk="1" latinLnBrk="1" hangingPunct="1">
+              <a:spcBef>
+                <a:spcPct val="20000"/>
+              </a:spcBef>
+              <a:buClr>
+                <a:schemeClr val="accent4"/>
+              </a:buClr>
+              <a:buSzPct val="80000"/>
+              <a:buFont typeface="Wingdings" panose="05000000000000000000" pitchFamily="2" charset="2"/>
+              <a:buChar char="§"/>
+              <a:defRPr sz="2000" kern="1200">
+                <a:solidFill>
+                  <a:schemeClr val="tx1"/>
+                </a:solidFill>
+                <a:latin typeface="Arial Rounded MT Bold" panose="020F0704030504030204" pitchFamily="34" charset="0"/>
+                <a:ea typeface="나눔고딕" panose="020D0604000000000000" pitchFamily="50" charset="-127"/>
+                <a:cs typeface="+mn-cs"/>
+              </a:defRPr>
+            </a:lvl3pPr>
+            <a:lvl4pPr marL="1706933" indent="-243848" eaLnBrk="1" latinLnBrk="1" hangingPunct="1">
+              <a:spcBef>
+                <a:spcPct val="20000"/>
+              </a:spcBef>
+              <a:buClr>
+                <a:schemeClr val="accent5"/>
+              </a:buClr>
+              <a:buSzPct val="75000"/>
+              <a:buFont typeface="Wingdings" panose="05000000000000000000" pitchFamily="2" charset="2"/>
+              <a:buChar char="§"/>
+              <a:defRPr sz="2000" kern="1200">
+                <a:solidFill>
+                  <a:schemeClr val="tx1"/>
+                </a:solidFill>
+                <a:latin typeface="Arial Rounded MT Bold" panose="020F0704030504030204" pitchFamily="34" charset="0"/>
+                <a:ea typeface="나눔고딕" panose="020D0604000000000000" pitchFamily="50" charset="-127"/>
+                <a:cs typeface="+mn-cs"/>
+              </a:defRPr>
+            </a:lvl4pPr>
+            <a:lvl5pPr marL="2194629" indent="-243848" eaLnBrk="1" latinLnBrk="1" hangingPunct="1">
+              <a:spcBef>
+                <a:spcPct val="20000"/>
+              </a:spcBef>
+              <a:buClr>
+                <a:schemeClr val="accent6"/>
+              </a:buClr>
+              <a:buSzPct val="70000"/>
+              <a:buFont typeface="Wingdings" panose="05000000000000000000" pitchFamily="2" charset="2"/>
+              <a:buChar char="§"/>
+              <a:defRPr sz="2000" kern="1200">
+                <a:solidFill>
+                  <a:schemeClr val="tx1"/>
+                </a:solidFill>
+                <a:latin typeface="Arial Rounded MT Bold" panose="020F0704030504030204" pitchFamily="34" charset="0"/>
+                <a:ea typeface="나눔고딕" panose="020D0604000000000000" pitchFamily="50" charset="-127"/>
+                <a:cs typeface="+mn-cs"/>
+              </a:defRPr>
+            </a:lvl5pPr>
+            <a:lvl6pPr marL="2682324" indent="-243848" eaLnBrk="1" latinLnBrk="1" hangingPunct="1">
+              <a:spcBef>
+                <a:spcPct val="20000"/>
+              </a:spcBef>
+              <a:buClr>
+                <a:schemeClr val="tx2"/>
+              </a:buClr>
+              <a:buSzPct val="60000"/>
+              <a:buFont typeface="Wingdings"/>
+              <a:buChar char="u"/>
+              <a:defRPr sz="1920" kern="1200">
+                <a:solidFill>
+                  <a:schemeClr val="tx1"/>
+                </a:solidFill>
+                <a:latin typeface="+mn-lt"/>
+                <a:ea typeface="+mn-ea"/>
+                <a:cs typeface="+mn-cs"/>
+              </a:defRPr>
+            </a:lvl6pPr>
+            <a:lvl7pPr marL="3170019" indent="-243848" eaLnBrk="1" latinLnBrk="1" hangingPunct="1">
+              <a:spcBef>
+                <a:spcPct val="20000"/>
+              </a:spcBef>
+              <a:buClr>
+                <a:schemeClr val="accent1"/>
+              </a:buClr>
+              <a:buSzPct val="60000"/>
+              <a:buFont typeface="Wingdings"/>
+              <a:buChar char="u"/>
+              <a:defRPr sz="1707" kern="1200">
+                <a:solidFill>
+                  <a:schemeClr val="tx1"/>
+                </a:solidFill>
+                <a:latin typeface="+mn-lt"/>
+                <a:ea typeface="+mn-ea"/>
+                <a:cs typeface="+mn-cs"/>
+              </a:defRPr>
+            </a:lvl7pPr>
+            <a:lvl8pPr marL="3657714" indent="-243848" eaLnBrk="1" latinLnBrk="1" hangingPunct="1">
+              <a:spcBef>
+                <a:spcPct val="20000"/>
+              </a:spcBef>
+              <a:buClr>
+                <a:schemeClr val="accent2"/>
+              </a:buClr>
+              <a:buSzPct val="55000"/>
+              <a:buFont typeface="Wingdings"/>
+              <a:buChar char="u"/>
+              <a:defRPr sz="1493" kern="1200">
+                <a:solidFill>
+                  <a:schemeClr val="tx1"/>
+                </a:solidFill>
+                <a:latin typeface="+mn-lt"/>
+                <a:ea typeface="+mn-ea"/>
+                <a:cs typeface="+mn-cs"/>
+              </a:defRPr>
+            </a:lvl8pPr>
+            <a:lvl9pPr marL="4145410" indent="-243848" eaLnBrk="1" latinLnBrk="1" hangingPunct="1">
+              <a:spcBef>
+                <a:spcPct val="20000"/>
+              </a:spcBef>
+              <a:buClr>
+                <a:schemeClr val="accent3"/>
+              </a:buClr>
+              <a:buSzPct val="50000"/>
+              <a:buFont typeface="Wingdings"/>
+              <a:buChar char="u"/>
+              <a:defRPr sz="1493" kern="1200">
+                <a:solidFill>
+                  <a:schemeClr val="tx1"/>
+                </a:solidFill>
+                <a:latin typeface="+mn-lt"/>
+                <a:ea typeface="+mn-ea"/>
+                <a:cs typeface="+mn-cs"/>
+              </a:defRPr>
+            </a:lvl9pPr>
+          </a:lstStyle>
+          <a:p>
+            <a:endParaRPr lang="en-US" altLang="ko-KR"/>
+          </a:p>
+        </p:txBody>
+      </p:sp>
+      <p:sp>
+        <p:nvSpPr>
+          <p:cNvPr id="6" name="내용 개체 틀 5"/>
+          <p:cNvSpPr>
+            <a:spLocks noGrp="1"/>
+          </p:cNvSpPr>
+          <p:nvPr>
+            <p:ph idx="1"/>
+          </p:nvPr>
+        </p:nvSpPr>
+        <p:spPr>
+          <a:xfrm>
+            <a:off x="609560" y="1164771"/>
+            <a:ext cx="11877080" cy="5713364"/>
+          </a:xfrm>
+        </p:spPr>
+        <p:txBody>
+          <a:bodyPr>
+            <a:normAutofit/>
+          </a:bodyPr>
+          <a:lstStyle/>
+          <a:p>
+            <a:pPr marL="457200" indent="-457200">
+              <a:buFont typeface="+mj-lt"/>
+              <a:buAutoNum type="arabicParenR"/>
+            </a:pPr>
+            <a:r>
+              <a:rPr lang="en-US" altLang="ko-KR" sz="2400" dirty="0">
+                <a:latin typeface="Century Gothic" panose="020B0502020202020204" pitchFamily="34" charset="0"/>
+              </a:rPr>
+              <a:t>In the figure, which elements are compared in </a:t>
+            </a:r>
+            <a:r>
+              <a:rPr lang="en-US" altLang="ko-KR" sz="2400" dirty="0" err="1">
+                <a:latin typeface="Century Gothic" panose="020B0502020202020204" pitchFamily="34" charset="0"/>
+              </a:rPr>
+              <a:t>isSorted</a:t>
+            </a:r>
+            <a:r>
+              <a:rPr lang="en-US" altLang="ko-KR" sz="2400" dirty="0">
+                <a:latin typeface="Century Gothic" panose="020B0502020202020204" pitchFamily="34" charset="0"/>
+              </a:rPr>
+              <a:t>() at </a:t>
+            </a:r>
+            <a:r>
+              <a:rPr lang="en-US" altLang="ko-KR" sz="2400" err="1">
+                <a:latin typeface="Century Gothic" panose="020B0502020202020204" pitchFamily="34" charset="0"/>
+              </a:rPr>
+              <a:t>postcondition</a:t>
+            </a:r>
+            <a:r>
+              <a:rPr lang="en-US" altLang="ko-KR" sz="2400">
+                <a:latin typeface="Century Gothic" panose="020B0502020202020204" pitchFamily="34" charset="0"/>
+              </a:rPr>
+              <a:t>?</a:t>
+            </a:r>
+            <a:br>
+              <a:rPr lang="en-US" altLang="ko-KR" sz="2400">
+                <a:latin typeface="Century Gothic" panose="020B0502020202020204" pitchFamily="34" charset="0"/>
+              </a:rPr>
+            </a:br>
+            <a:endParaRPr lang="en-US" altLang="ko-KR" sz="2400" dirty="0">
+              <a:latin typeface="Century Gothic" panose="020B0502020202020204" pitchFamily="34" charset="0"/>
+            </a:endParaRPr>
+          </a:p>
+          <a:p>
+            <a:pPr marL="457200" indent="-457200">
+              <a:buFont typeface="+mj-lt"/>
+              <a:buAutoNum type="arabicParenR"/>
+            </a:pPr>
+            <a:r>
+              <a:rPr lang="en-US" altLang="ko-KR" sz="2400">
+                <a:latin typeface="Century Gothic" panose="020B0502020202020204" pitchFamily="34" charset="0"/>
+              </a:rPr>
+              <a:t>Explain why it is enough to check only two elements as postcondition? </a:t>
+            </a:r>
+            <a:br>
+              <a:rPr lang="en-US" altLang="ko-KR" sz="2400">
+                <a:latin typeface="Century Gothic" panose="020B0502020202020204" pitchFamily="34" charset="0"/>
+              </a:rPr>
+            </a:br>
+            <a:r>
+              <a:rPr lang="en-US" altLang="ko-KR" sz="2400">
+                <a:latin typeface="Century Gothic" panose="020B0502020202020204" pitchFamily="34" charset="0"/>
+              </a:rPr>
+              <a:t>You may use the figure elements to explain the case.</a:t>
+            </a:r>
+            <a:br>
+              <a:rPr lang="en-US" altLang="ko-KR" sz="2400">
+                <a:latin typeface="Century Gothic" panose="020B0502020202020204" pitchFamily="34" charset="0"/>
+              </a:rPr>
+            </a:br>
+            <a:endParaRPr lang="en-US" altLang="ko-KR" sz="2400" dirty="0">
+              <a:latin typeface="Century Gothic" panose="020B0502020202020204" pitchFamily="34" charset="0"/>
+            </a:endParaRPr>
+          </a:p>
+        </p:txBody>
+      </p:sp>
+      <p:sp>
+        <p:nvSpPr>
+          <p:cNvPr id="7" name="TextBox 6"/>
+          <p:cNvSpPr txBox="1"/>
+          <p:nvPr/>
+        </p:nvSpPr>
+        <p:spPr>
+          <a:xfrm>
+            <a:off x="513838" y="4388942"/>
+            <a:ext cx="11968478" cy="2862322"/>
+          </a:xfrm>
+          <a:prstGeom prst="rect">
+            <a:avLst/>
+          </a:prstGeom>
+        </p:spPr>
+        <p:style>
+          <a:lnRef idx="2">
+            <a:schemeClr val="accent4"/>
+          </a:lnRef>
+          <a:fillRef idx="1">
+            <a:schemeClr val="lt1"/>
+          </a:fillRef>
+          <a:effectRef idx="0">
+            <a:schemeClr val="accent4"/>
+          </a:effectRef>
+          <a:fontRef idx="minor">
+            <a:schemeClr val="dk1"/>
+          </a:fontRef>
+        </p:style>
+        <p:txBody>
+          <a:bodyPr wrap="square" rtlCol="0">
+            <a:spAutoFit/>
+          </a:bodyPr>
+          <a:lstStyle/>
+          <a:p>
+            <a:r>
+              <a:rPr lang="en-US" altLang="ko-KR" sz="2000" dirty="0">
+                <a:latin typeface="Consolas" panose="020B0609020204030204" pitchFamily="49" charset="0"/>
+              </a:rPr>
+              <a:t>int </a:t>
+            </a:r>
+            <a:r>
+              <a:rPr lang="en-US" altLang="ko-KR" sz="2000" dirty="0" err="1">
+                <a:latin typeface="Consolas" panose="020B0609020204030204" pitchFamily="49" charset="0"/>
+              </a:rPr>
+              <a:t>isSorted</a:t>
+            </a:r>
+            <a:r>
+              <a:rPr lang="en-US" altLang="ko-KR" sz="2000" dirty="0">
+                <a:latin typeface="Consolas" panose="020B0609020204030204" pitchFamily="49" charset="0"/>
+              </a:rPr>
+              <a:t>(int *a, int i, int j){return a[i] &lt;= a[j];}</a:t>
+            </a:r>
+          </a:p>
+          <a:p>
+            <a:endParaRPr lang="en-US" altLang="ko-KR" sz="2000" dirty="0">
+              <a:latin typeface="Consolas" panose="020B0609020204030204" pitchFamily="49" charset="0"/>
+            </a:endParaRPr>
+          </a:p>
+          <a:p>
+            <a:r>
+              <a:rPr lang="en-US" altLang="ko-KR" sz="2000" dirty="0">
+                <a:latin typeface="Consolas" panose="020B0609020204030204" pitchFamily="49" charset="0"/>
+              </a:rPr>
+              <a:t>void merge(int *a, char *aux, int lo, int mi, int hi) {</a:t>
+            </a:r>
+          </a:p>
+          <a:p>
+            <a:r>
+              <a:rPr lang="en-US" altLang="ko-KR" sz="2000" dirty="0">
+                <a:latin typeface="Consolas" panose="020B0609020204030204" pitchFamily="49" charset="0"/>
+              </a:rPr>
+              <a:t>    assert(</a:t>
+            </a:r>
+            <a:r>
+              <a:rPr lang="en-US" altLang="ko-KR" sz="2000" dirty="0" err="1">
+                <a:latin typeface="Consolas" panose="020B0609020204030204" pitchFamily="49" charset="0"/>
+              </a:rPr>
+              <a:t>isSorted</a:t>
+            </a:r>
+            <a:r>
+              <a:rPr lang="en-US" altLang="ko-KR" sz="2000" dirty="0">
+                <a:latin typeface="Consolas" panose="020B0609020204030204" pitchFamily="49" charset="0"/>
+              </a:rPr>
+              <a:t>(a, lo,   mi));		// precondition: a[</a:t>
+            </a:r>
+            <a:r>
+              <a:rPr lang="en-US" altLang="ko-KR" sz="2000" dirty="0" err="1">
+                <a:latin typeface="Consolas" panose="020B0609020204030204" pitchFamily="49" charset="0"/>
+              </a:rPr>
+              <a:t>lo..mi</a:t>
+            </a:r>
+            <a:r>
+              <a:rPr lang="en-US" altLang="ko-KR" sz="2000" dirty="0">
+                <a:latin typeface="Consolas" panose="020B0609020204030204" pitchFamily="49" charset="0"/>
+              </a:rPr>
+              <a:t>]   sorted</a:t>
+            </a:r>
+          </a:p>
+          <a:p>
+            <a:r>
+              <a:rPr lang="en-US" altLang="ko-KR" sz="2000" dirty="0">
+                <a:latin typeface="Consolas" panose="020B0609020204030204" pitchFamily="49" charset="0"/>
+              </a:rPr>
+              <a:t>    assert(</a:t>
+            </a:r>
+            <a:r>
+              <a:rPr lang="en-US" altLang="ko-KR" sz="2000" dirty="0" err="1">
+                <a:latin typeface="Consolas" panose="020B0609020204030204" pitchFamily="49" charset="0"/>
+              </a:rPr>
+              <a:t>isSorted</a:t>
+            </a:r>
+            <a:r>
+              <a:rPr lang="en-US" altLang="ko-KR" sz="2000" dirty="0">
+                <a:latin typeface="Consolas" panose="020B0609020204030204" pitchFamily="49" charset="0"/>
+              </a:rPr>
+              <a:t>(a, mi+1, hi));		// precondition: a[mi+1..hi] sorted</a:t>
+            </a:r>
+          </a:p>
+          <a:p>
+            <a:r>
+              <a:rPr lang="en-US" altLang="ko-KR" sz="2000" dirty="0">
+                <a:latin typeface="Consolas" panose="020B0609020204030204" pitchFamily="49" charset="0"/>
+              </a:rPr>
+              <a:t>    for (int k = lo; k &lt;= hi; k++)	aux[k] = a[k];</a:t>
+            </a:r>
+          </a:p>
+          <a:p>
+            <a:r>
+              <a:rPr lang="en-US" altLang="ko-KR" sz="2000" dirty="0">
+                <a:latin typeface="Consolas" panose="020B0609020204030204" pitchFamily="49" charset="0"/>
+              </a:rPr>
+              <a:t>     ……</a:t>
+            </a:r>
+          </a:p>
+          <a:p>
+            <a:r>
+              <a:rPr lang="en-US" altLang="ko-KR" sz="2000" dirty="0">
+                <a:latin typeface="Consolas" panose="020B0609020204030204" pitchFamily="49" charset="0"/>
+              </a:rPr>
+              <a:t>    assert(</a:t>
+            </a:r>
+            <a:r>
+              <a:rPr lang="en-US" altLang="ko-KR" sz="2000" dirty="0" err="1">
+                <a:latin typeface="Consolas" panose="020B0609020204030204" pitchFamily="49" charset="0"/>
+              </a:rPr>
+              <a:t>isSorted</a:t>
+            </a:r>
+            <a:r>
+              <a:rPr lang="en-US" altLang="ko-KR" sz="2000" dirty="0">
+                <a:latin typeface="Consolas" panose="020B0609020204030204" pitchFamily="49" charset="0"/>
+              </a:rPr>
+              <a:t>(a, lo, hi));		// </a:t>
+            </a:r>
+            <a:r>
+              <a:rPr lang="en-US" altLang="ko-KR" sz="2000" dirty="0" err="1">
+                <a:latin typeface="Consolas" panose="020B0609020204030204" pitchFamily="49" charset="0"/>
+              </a:rPr>
+              <a:t>postcondition</a:t>
+            </a:r>
+            <a:r>
+              <a:rPr lang="en-US" altLang="ko-KR" sz="2000" dirty="0">
+                <a:latin typeface="Consolas" panose="020B0609020204030204" pitchFamily="49" charset="0"/>
+              </a:rPr>
+              <a:t>: a[</a:t>
+            </a:r>
+            <a:r>
+              <a:rPr lang="en-US" altLang="ko-KR" sz="2000" dirty="0" err="1">
+                <a:latin typeface="Consolas" panose="020B0609020204030204" pitchFamily="49" charset="0"/>
+              </a:rPr>
+              <a:t>lo..hi</a:t>
+            </a:r>
+            <a:r>
+              <a:rPr lang="en-US" altLang="ko-KR" sz="2000" dirty="0">
+                <a:latin typeface="Consolas" panose="020B0609020204030204" pitchFamily="49" charset="0"/>
+              </a:rPr>
+              <a:t>] sorted</a:t>
+            </a:r>
+          </a:p>
+          <a:p>
+            <a:r>
+              <a:rPr lang="en-US" altLang="ko-KR" sz="2000" dirty="0">
+                <a:latin typeface="Consolas" panose="020B0609020204030204" pitchFamily="49" charset="0"/>
+              </a:rPr>
+              <a:t>}</a:t>
+            </a:r>
+          </a:p>
+        </p:txBody>
+      </p:sp>
+      <p:pic>
+        <p:nvPicPr>
+          <p:cNvPr id="8" name="그림 7"/>
+          <p:cNvPicPr>
+            <a:picLocks noChangeAspect="1"/>
+          </p:cNvPicPr>
+          <p:nvPr/>
+        </p:nvPicPr>
+        <p:blipFill>
+          <a:blip r:embed="rId3" cstate="print">
+            <a:extLst>
+              <a:ext uri="{28A0092B-C50C-407E-A947-70E740481C1C}">
+                <a14:useLocalDpi xmlns:a14="http://schemas.microsoft.com/office/drawing/2010/main" val="0"/>
+              </a:ext>
+            </a:extLst>
+          </a:blip>
+          <a:stretch>
+            <a:fillRect/>
+          </a:stretch>
+        </p:blipFill>
+        <p:spPr>
+          <a:xfrm>
+            <a:off x="9602521" y="2400040"/>
+            <a:ext cx="2879795" cy="2943064"/>
+          </a:xfrm>
+          <a:prstGeom prst="rect">
+            <a:avLst/>
+          </a:prstGeom>
+          <a:ln>
+            <a:solidFill>
+              <a:schemeClr val="bg1">
+                <a:lumMod val="65000"/>
+              </a:schemeClr>
+            </a:solidFill>
+          </a:ln>
+          <a:effectLst>
+            <a:outerShdw blurRad="50800" dist="38100" dir="2700000" algn="tl" rotWithShape="0">
+              <a:prstClr val="black">
+                <a:alpha val="40000"/>
+              </a:prstClr>
+            </a:outerShdw>
+          </a:effectLst>
+        </p:spPr>
+      </p:pic>
+    </p:spTree>
+    <p:extLst>
+      <p:ext uri="{BB962C8B-B14F-4D97-AF65-F5344CB8AC3E}">
+        <p14:creationId xmlns:p14="http://schemas.microsoft.com/office/powerpoint/2010/main" val="339277578"/>
+      </p:ext>
+    </p:extLst>
+  </p:cSld>
+  <p:clrMapOvr>
+    <a:masterClrMapping/>
+  </p:clrMapOvr>
+</p:sld>
+</file>
+
+<file path=ppt/slides/slide9.xml><?xml version="1.0" encoding="utf-8"?>
+<p:sld xmlns:a="http://schemas.openxmlformats.org/drawingml/2006/main" xmlns:r="http://schemas.openxmlformats.org/officeDocument/2006/relationships" xmlns:p="http://schemas.openxmlformats.org/presentationml/2006/main">
+  <p:cSld>
+    <p:spTree>
+      <p:nvGrpSpPr>
+        <p:cNvPr id="1" name=""/>
+        <p:cNvGrpSpPr/>
+        <p:nvPr/>
+      </p:nvGrpSpPr>
+      <p:grpSpPr>
+        <a:xfrm>
+          <a:off x="0" y="0"/>
+          <a:ext cx="0" cy="0"/>
+          <a:chOff x="0" y="0"/>
+          <a:chExt cx="0" cy="0"/>
+        </a:xfrm>
+      </p:grpSpPr>
+      <p:sp>
+        <p:nvSpPr>
           <p:cNvPr id="2" name="제목 1"/>
           <p:cNvSpPr>
             <a:spLocks noGrp="1"/>
@@ -23433,7 +24662,7 @@
             <a:fld id="{5292DF6F-3DA5-4765-A844-0D90919D9092}" type="slidenum">
               <a:rPr lang="en-US" altLang="ko-KR" smtClean="0"/>
               <a:pPr/>
-              <a:t>8</a:t>
+              <a:t>9</a:t>
             </a:fld>
             <a:endParaRPr lang="en-US" altLang="ko-KR"/>
           </a:p>
@@ -23768,530 +24997,6 @@
     <p:extLst>
       <p:ext uri="{BB962C8B-B14F-4D97-AF65-F5344CB8AC3E}">
         <p14:creationId xmlns:p14="http://schemas.microsoft.com/office/powerpoint/2010/main" val="2968710573"/>
-      </p:ext>
-    </p:extLst>
-  </p:cSld>
-  <p:clrMapOvr>
-    <a:masterClrMapping/>
-  </p:clrMapOvr>
-</p:sld>
-</file>
-
-<file path=ppt/slides/slide9.xml><?xml version="1.0" encoding="utf-8"?>
-<p:sld xmlns:a="http://schemas.openxmlformats.org/drawingml/2006/main" xmlns:r="http://schemas.openxmlformats.org/officeDocument/2006/relationships" xmlns:p="http://schemas.openxmlformats.org/presentationml/2006/main">
-  <p:cSld>
-    <p:spTree>
-      <p:nvGrpSpPr>
-        <p:cNvPr id="1" name=""/>
-        <p:cNvGrpSpPr/>
-        <p:nvPr/>
-      </p:nvGrpSpPr>
-      <p:grpSpPr>
-        <a:xfrm>
-          <a:off x="0" y="0"/>
-          <a:ext cx="0" cy="0"/>
-          <a:chOff x="0" y="0"/>
-          <a:chExt cx="0" cy="0"/>
-        </a:xfrm>
-      </p:grpSpPr>
-      <p:sp>
-        <p:nvSpPr>
-          <p:cNvPr id="2" name="슬라이드 번호 개체 틀 1">
-            <a:extLst>
-              <a:ext uri="{FF2B5EF4-FFF2-40B4-BE49-F238E27FC236}">
-                <a16:creationId xmlns:a16="http://schemas.microsoft.com/office/drawing/2014/main" id="{1FA164C2-2126-40C6-89DC-721C7FDD0CE2}"/>
-              </a:ext>
-            </a:extLst>
-          </p:cNvPr>
-          <p:cNvSpPr>
-            <a:spLocks noGrp="1"/>
-          </p:cNvSpPr>
-          <p:nvPr>
-            <p:ph type="sldNum" sz="quarter" idx="12"/>
-          </p:nvPr>
-        </p:nvSpPr>
-        <p:spPr/>
-        <p:txBody>
-          <a:bodyPr/>
-          <a:lstStyle/>
-          <a:p>
-            <a:fld id="{9085FD98-BA4B-4537-9251-5519BF532862}" type="slidenum">
-              <a:rPr lang="ko-KR" altLang="en-US" smtClean="0"/>
-              <a:pPr/>
-              <a:t>9</a:t>
-            </a:fld>
-            <a:endParaRPr lang="ko-KR" altLang="en-US" dirty="0"/>
-          </a:p>
-        </p:txBody>
-      </p:sp>
-      <p:sp>
-        <p:nvSpPr>
-          <p:cNvPr id="4" name="제목 1">
-            <a:extLst>
-              <a:ext uri="{FF2B5EF4-FFF2-40B4-BE49-F238E27FC236}">
-                <a16:creationId xmlns:a16="http://schemas.microsoft.com/office/drawing/2014/main" id="{8505B4B2-2AEB-4AA6-B6FA-F775CF41E87C}"/>
-              </a:ext>
-            </a:extLst>
-          </p:cNvPr>
-          <p:cNvSpPr txBox="1">
-            <a:spLocks/>
-          </p:cNvSpPr>
-          <p:nvPr/>
-        </p:nvSpPr>
-        <p:spPr>
-          <a:xfrm>
-            <a:off x="783327" y="3322024"/>
-            <a:ext cx="7109662" cy="671152"/>
-          </a:xfrm>
-          <a:prstGeom prst="rect">
-            <a:avLst/>
-          </a:prstGeom>
-        </p:spPr>
-        <p:txBody>
-          <a:bodyPr/>
-          <a:lstStyle>
-            <a:lvl1pPr marL="0" marR="0" indent="0" algn="l" defTabSz="685800" rtl="0" latinLnBrk="0">
-              <a:lnSpc>
-                <a:spcPct val="90000"/>
-              </a:lnSpc>
-              <a:spcBef>
-                <a:spcPts val="0"/>
-              </a:spcBef>
-              <a:spcAft>
-                <a:spcPts val="0"/>
-              </a:spcAft>
-              <a:buClrTx/>
-              <a:buSzTx/>
-              <a:buFontTx/>
-              <a:buNone/>
-              <a:tabLst/>
-              <a:defRPr sz="2700" b="1" i="0" u="none" strike="noStrike" cap="none" spc="0" baseline="0">
-                <a:ln w="9524">
-                  <a:solidFill>
-                    <a:srgbClr val="32538F">
-                      <a:alpha val="0"/>
-                    </a:srgbClr>
-                  </a:solidFill>
-                </a:ln>
-                <a:solidFill>
-                  <a:schemeClr val="tx1"/>
-                </a:solidFill>
-                <a:uFillTx/>
-                <a:latin typeface="+mn-lt"/>
-                <a:ea typeface="+mn-ea"/>
-                <a:cs typeface="+mn-cs"/>
-                <a:sym typeface="Helvetica"/>
-              </a:defRPr>
-            </a:lvl1pPr>
-            <a:lvl2pPr marL="0" marR="0" indent="0" algn="l" defTabSz="685800" rtl="0" latinLnBrk="0">
-              <a:lnSpc>
-                <a:spcPct val="90000"/>
-              </a:lnSpc>
-              <a:spcBef>
-                <a:spcPts val="0"/>
-              </a:spcBef>
-              <a:spcAft>
-                <a:spcPts val="0"/>
-              </a:spcAft>
-              <a:buClrTx/>
-              <a:buSzTx/>
-              <a:buFontTx/>
-              <a:buNone/>
-              <a:tabLst/>
-              <a:defRPr sz="2700" b="1" i="0" u="none" strike="noStrike" cap="none" spc="0" baseline="0">
-                <a:ln w="9524">
-                  <a:solidFill>
-                    <a:srgbClr val="32538F">
-                      <a:alpha val="0"/>
-                    </a:srgbClr>
-                  </a:solidFill>
-                </a:ln>
-                <a:solidFill>
-                  <a:schemeClr val="accent5"/>
-                </a:solidFill>
-                <a:uFillTx/>
-                <a:latin typeface="+mn-lt"/>
-                <a:ea typeface="+mn-ea"/>
-                <a:cs typeface="+mn-cs"/>
-                <a:sym typeface="Helvetica"/>
-              </a:defRPr>
-            </a:lvl2pPr>
-            <a:lvl3pPr marL="0" marR="0" indent="0" algn="l" defTabSz="685800" rtl="0" latinLnBrk="0">
-              <a:lnSpc>
-                <a:spcPct val="90000"/>
-              </a:lnSpc>
-              <a:spcBef>
-                <a:spcPts val="0"/>
-              </a:spcBef>
-              <a:spcAft>
-                <a:spcPts val="0"/>
-              </a:spcAft>
-              <a:buClrTx/>
-              <a:buSzTx/>
-              <a:buFontTx/>
-              <a:buNone/>
-              <a:tabLst/>
-              <a:defRPr sz="2700" b="1" i="0" u="none" strike="noStrike" cap="none" spc="0" baseline="0">
-                <a:ln w="9524">
-                  <a:solidFill>
-                    <a:srgbClr val="32538F">
-                      <a:alpha val="0"/>
-                    </a:srgbClr>
-                  </a:solidFill>
-                </a:ln>
-                <a:solidFill>
-                  <a:schemeClr val="accent5"/>
-                </a:solidFill>
-                <a:uFillTx/>
-                <a:latin typeface="+mn-lt"/>
-                <a:ea typeface="+mn-ea"/>
-                <a:cs typeface="+mn-cs"/>
-                <a:sym typeface="Helvetica"/>
-              </a:defRPr>
-            </a:lvl3pPr>
-            <a:lvl4pPr marL="0" marR="0" indent="0" algn="l" defTabSz="685800" rtl="0" latinLnBrk="0">
-              <a:lnSpc>
-                <a:spcPct val="90000"/>
-              </a:lnSpc>
-              <a:spcBef>
-                <a:spcPts val="0"/>
-              </a:spcBef>
-              <a:spcAft>
-                <a:spcPts val="0"/>
-              </a:spcAft>
-              <a:buClrTx/>
-              <a:buSzTx/>
-              <a:buFontTx/>
-              <a:buNone/>
-              <a:tabLst/>
-              <a:defRPr sz="2700" b="1" i="0" u="none" strike="noStrike" cap="none" spc="0" baseline="0">
-                <a:ln w="9524">
-                  <a:solidFill>
-                    <a:srgbClr val="32538F">
-                      <a:alpha val="0"/>
-                    </a:srgbClr>
-                  </a:solidFill>
-                </a:ln>
-                <a:solidFill>
-                  <a:schemeClr val="accent5"/>
-                </a:solidFill>
-                <a:uFillTx/>
-                <a:latin typeface="+mn-lt"/>
-                <a:ea typeface="+mn-ea"/>
-                <a:cs typeface="+mn-cs"/>
-                <a:sym typeface="Helvetica"/>
-              </a:defRPr>
-            </a:lvl4pPr>
-            <a:lvl5pPr marL="0" marR="0" indent="0" algn="l" defTabSz="685800" rtl="0" latinLnBrk="0">
-              <a:lnSpc>
-                <a:spcPct val="90000"/>
-              </a:lnSpc>
-              <a:spcBef>
-                <a:spcPts val="0"/>
-              </a:spcBef>
-              <a:spcAft>
-                <a:spcPts val="0"/>
-              </a:spcAft>
-              <a:buClrTx/>
-              <a:buSzTx/>
-              <a:buFontTx/>
-              <a:buNone/>
-              <a:tabLst/>
-              <a:defRPr sz="2700" b="1" i="0" u="none" strike="noStrike" cap="none" spc="0" baseline="0">
-                <a:ln w="9524">
-                  <a:solidFill>
-                    <a:srgbClr val="32538F">
-                      <a:alpha val="0"/>
-                    </a:srgbClr>
-                  </a:solidFill>
-                </a:ln>
-                <a:solidFill>
-                  <a:schemeClr val="accent5"/>
-                </a:solidFill>
-                <a:uFillTx/>
-                <a:latin typeface="+mn-lt"/>
-                <a:ea typeface="+mn-ea"/>
-                <a:cs typeface="+mn-cs"/>
-                <a:sym typeface="Helvetica"/>
-              </a:defRPr>
-            </a:lvl5pPr>
-            <a:lvl6pPr marL="0" marR="0" indent="0" algn="l" defTabSz="685800" rtl="0" latinLnBrk="0">
-              <a:lnSpc>
-                <a:spcPct val="90000"/>
-              </a:lnSpc>
-              <a:spcBef>
-                <a:spcPts val="0"/>
-              </a:spcBef>
-              <a:spcAft>
-                <a:spcPts val="0"/>
-              </a:spcAft>
-              <a:buClrTx/>
-              <a:buSzTx/>
-              <a:buFontTx/>
-              <a:buNone/>
-              <a:tabLst/>
-              <a:defRPr sz="2700" b="1" i="0" u="none" strike="noStrike" cap="none" spc="0" baseline="0">
-                <a:ln w="9524">
-                  <a:solidFill>
-                    <a:srgbClr val="32538F">
-                      <a:alpha val="0"/>
-                    </a:srgbClr>
-                  </a:solidFill>
-                </a:ln>
-                <a:solidFill>
-                  <a:schemeClr val="accent5"/>
-                </a:solidFill>
-                <a:uFillTx/>
-                <a:latin typeface="+mn-lt"/>
-                <a:ea typeface="+mn-ea"/>
-                <a:cs typeface="+mn-cs"/>
-                <a:sym typeface="Helvetica"/>
-              </a:defRPr>
-            </a:lvl6pPr>
-            <a:lvl7pPr marL="0" marR="0" indent="0" algn="l" defTabSz="685800" rtl="0" latinLnBrk="0">
-              <a:lnSpc>
-                <a:spcPct val="90000"/>
-              </a:lnSpc>
-              <a:spcBef>
-                <a:spcPts val="0"/>
-              </a:spcBef>
-              <a:spcAft>
-                <a:spcPts val="0"/>
-              </a:spcAft>
-              <a:buClrTx/>
-              <a:buSzTx/>
-              <a:buFontTx/>
-              <a:buNone/>
-              <a:tabLst/>
-              <a:defRPr sz="2700" b="1" i="0" u="none" strike="noStrike" cap="none" spc="0" baseline="0">
-                <a:ln w="9524">
-                  <a:solidFill>
-                    <a:srgbClr val="32538F">
-                      <a:alpha val="0"/>
-                    </a:srgbClr>
-                  </a:solidFill>
-                </a:ln>
-                <a:solidFill>
-                  <a:schemeClr val="accent5"/>
-                </a:solidFill>
-                <a:uFillTx/>
-                <a:latin typeface="+mn-lt"/>
-                <a:ea typeface="+mn-ea"/>
-                <a:cs typeface="+mn-cs"/>
-                <a:sym typeface="Helvetica"/>
-              </a:defRPr>
-            </a:lvl7pPr>
-            <a:lvl8pPr marL="0" marR="0" indent="0" algn="l" defTabSz="685800" rtl="0" latinLnBrk="0">
-              <a:lnSpc>
-                <a:spcPct val="90000"/>
-              </a:lnSpc>
-              <a:spcBef>
-                <a:spcPts val="0"/>
-              </a:spcBef>
-              <a:spcAft>
-                <a:spcPts val="0"/>
-              </a:spcAft>
-              <a:buClrTx/>
-              <a:buSzTx/>
-              <a:buFontTx/>
-              <a:buNone/>
-              <a:tabLst/>
-              <a:defRPr sz="2700" b="1" i="0" u="none" strike="noStrike" cap="none" spc="0" baseline="0">
-                <a:ln w="9524">
-                  <a:solidFill>
-                    <a:srgbClr val="32538F">
-                      <a:alpha val="0"/>
-                    </a:srgbClr>
-                  </a:solidFill>
-                </a:ln>
-                <a:solidFill>
-                  <a:schemeClr val="accent5"/>
-                </a:solidFill>
-                <a:uFillTx/>
-                <a:latin typeface="+mn-lt"/>
-                <a:ea typeface="+mn-ea"/>
-                <a:cs typeface="+mn-cs"/>
-                <a:sym typeface="Helvetica"/>
-              </a:defRPr>
-            </a:lvl8pPr>
-            <a:lvl9pPr marL="0" marR="0" indent="0" algn="l" defTabSz="685800" rtl="0" latinLnBrk="0">
-              <a:lnSpc>
-                <a:spcPct val="90000"/>
-              </a:lnSpc>
-              <a:spcBef>
-                <a:spcPts val="0"/>
-              </a:spcBef>
-              <a:spcAft>
-                <a:spcPts val="0"/>
-              </a:spcAft>
-              <a:buClrTx/>
-              <a:buSzTx/>
-              <a:buFontTx/>
-              <a:buNone/>
-              <a:tabLst/>
-              <a:defRPr sz="2700" b="1" i="0" u="none" strike="noStrike" cap="none" spc="0" baseline="0">
-                <a:ln w="9524">
-                  <a:solidFill>
-                    <a:srgbClr val="32538F">
-                      <a:alpha val="0"/>
-                    </a:srgbClr>
-                  </a:solidFill>
-                </a:ln>
-                <a:solidFill>
-                  <a:schemeClr val="accent5"/>
-                </a:solidFill>
-                <a:uFillTx/>
-                <a:latin typeface="+mn-lt"/>
-                <a:ea typeface="+mn-ea"/>
-                <a:cs typeface="+mn-cs"/>
-                <a:sym typeface="Helvetica"/>
-              </a:defRPr>
-            </a:lvl9pPr>
-          </a:lstStyle>
-          <a:p>
-            <a:pPr algn="r" hangingPunct="1">
-              <a:defRPr sz="4400">
-                <a:solidFill>
-                  <a:srgbClr val="FFFFFF"/>
-                </a:solidFill>
-              </a:defRPr>
-            </a:pPr>
-            <a:r>
-              <a:rPr lang="en-US" altLang="ko-KR" sz="4400" dirty="0">
-                <a:solidFill>
-                  <a:srgbClr val="FFFFFF"/>
-                </a:solidFill>
-                <a:latin typeface="나눔고딕" panose="020D0604000000000000" pitchFamily="50" charset="-127"/>
-                <a:ea typeface="나눔고딕" panose="020D0604000000000000" pitchFamily="50" charset="-127"/>
-              </a:rPr>
-              <a:t>C++ For C Coders 7</a:t>
-            </a:r>
-          </a:p>
-        </p:txBody>
-      </p:sp>
-      <p:sp>
-        <p:nvSpPr>
-          <p:cNvPr id="5" name="직사각형 4">
-            <a:extLst>
-              <a:ext uri="{FF2B5EF4-FFF2-40B4-BE49-F238E27FC236}">
-                <a16:creationId xmlns:a16="http://schemas.microsoft.com/office/drawing/2014/main" id="{55B4D85A-07BF-42B5-BDA2-C7FBC4ECBE2D}"/>
-              </a:ext>
-            </a:extLst>
-          </p:cNvPr>
-          <p:cNvSpPr/>
-          <p:nvPr/>
-        </p:nvSpPr>
-        <p:spPr>
-          <a:xfrm>
-            <a:off x="1009934" y="4753016"/>
-            <a:ext cx="7049309" cy="1015663"/>
-          </a:xfrm>
-          <a:prstGeom prst="rect">
-            <a:avLst/>
-          </a:prstGeom>
-        </p:spPr>
-        <p:txBody>
-          <a:bodyPr wrap="square">
-            <a:spAutoFit/>
-          </a:bodyPr>
-          <a:lstStyle/>
-          <a:p>
-            <a:pPr algn="r" hangingPunct="1">
-              <a:defRPr sz="4400">
-                <a:solidFill>
-                  <a:srgbClr val="FFFFFF"/>
-                </a:solidFill>
-              </a:defRPr>
-            </a:pPr>
-            <a:r>
-              <a:rPr lang="en-US" altLang="ko-KR" sz="2000">
-                <a:solidFill>
-                  <a:schemeClr val="tx1"/>
-                </a:solidFill>
-                <a:latin typeface="나눔고딕" panose="020D0604000000000000" pitchFamily="50" charset="-127"/>
-                <a:ea typeface="나눔고딕" panose="020D0604000000000000" pitchFamily="50" charset="-127"/>
-              </a:rPr>
-              <a:t>Bubble </a:t>
-            </a:r>
-            <a:r>
-              <a:rPr lang="en-US" altLang="ko-KR" sz="2000" dirty="0">
-                <a:solidFill>
-                  <a:schemeClr val="tx1"/>
-                </a:solidFill>
-                <a:latin typeface="나눔고딕" panose="020D0604000000000000" pitchFamily="50" charset="-127"/>
-                <a:ea typeface="나눔고딕" panose="020D0604000000000000" pitchFamily="50" charset="-127"/>
-              </a:rPr>
-              <a:t>S</a:t>
-            </a:r>
-            <a:r>
-              <a:rPr lang="en-US" altLang="ko-KR" sz="2000">
-                <a:solidFill>
-                  <a:schemeClr val="tx1"/>
-                </a:solidFill>
-                <a:latin typeface="나눔고딕" panose="020D0604000000000000" pitchFamily="50" charset="-127"/>
-                <a:ea typeface="나눔고딕" panose="020D0604000000000000" pitchFamily="50" charset="-127"/>
-              </a:rPr>
-              <a:t>ort</a:t>
-            </a:r>
-            <a:endParaRPr lang="en-US" altLang="ko-KR" sz="2000" dirty="0">
-              <a:solidFill>
-                <a:schemeClr val="tx1"/>
-              </a:solidFill>
-              <a:latin typeface="나눔고딕" panose="020D0604000000000000" pitchFamily="50" charset="-127"/>
-              <a:ea typeface="나눔고딕" panose="020D0604000000000000" pitchFamily="50" charset="-127"/>
-            </a:endParaRPr>
-          </a:p>
-          <a:p>
-            <a:pPr algn="r" hangingPunct="1">
-              <a:defRPr sz="4400">
-                <a:solidFill>
-                  <a:srgbClr val="FFFFFF"/>
-                </a:solidFill>
-              </a:defRPr>
-            </a:pPr>
-            <a:r>
-              <a:rPr lang="en-US" altLang="ko-KR" sz="2000">
-                <a:solidFill>
-                  <a:schemeClr val="tx1"/>
-                </a:solidFill>
-                <a:latin typeface="나눔고딕" panose="020D0604000000000000" pitchFamily="50" charset="-127"/>
-                <a:ea typeface="나눔고딕" panose="020D0604000000000000" pitchFamily="50" charset="-127"/>
-              </a:rPr>
-              <a:t>Selection Sort</a:t>
-            </a:r>
-          </a:p>
-          <a:p>
-            <a:pPr algn="r" hangingPunct="1">
-              <a:defRPr sz="4400">
-                <a:solidFill>
-                  <a:srgbClr val="FFFFFF"/>
-                </a:solidFill>
-              </a:defRPr>
-            </a:pPr>
-            <a:r>
-              <a:rPr lang="en-US" altLang="ko-KR" sz="2000">
-                <a:solidFill>
-                  <a:schemeClr val="tx1"/>
-                </a:solidFill>
-                <a:latin typeface="나눔고딕" panose="020D0604000000000000" pitchFamily="50" charset="-127"/>
-                <a:ea typeface="나눔고딕" panose="020D0604000000000000" pitchFamily="50" charset="-127"/>
-              </a:rPr>
-              <a:t>Insertion Sort</a:t>
-            </a:r>
-            <a:endParaRPr lang="en-US" altLang="ko-KR" sz="2000" dirty="0">
-              <a:solidFill>
-                <a:schemeClr val="tx1"/>
-              </a:solidFill>
-              <a:latin typeface="나눔고딕" panose="020D0604000000000000" pitchFamily="50" charset="-127"/>
-              <a:ea typeface="나눔고딕" panose="020D0604000000000000" pitchFamily="50" charset="-127"/>
-            </a:endParaRPr>
-          </a:p>
-        </p:txBody>
-      </p:sp>
-    </p:spTree>
-    <p:extLst>
-      <p:ext uri="{BB962C8B-B14F-4D97-AF65-F5344CB8AC3E}">
-        <p14:creationId xmlns:p14="http://schemas.microsoft.com/office/powerpoint/2010/main" val="643919231"/>
       </p:ext>
     </p:extLst>
   </p:cSld>
